--- a/Presentation/Learning Spark 2017.pptx
+++ b/Presentation/Learning Spark 2017.pptx
@@ -1,11 +1,11 @@
 
 <file path=ppt/presentation.xml><?xml version="1.0" encoding="utf-8"?>
-<p:presentation xmlns:a="http://schemas.openxmlformats.org/drawingml/2006/main" xmlns:r="http://schemas.openxmlformats.org/officeDocument/2006/relationships" xmlns:p="http://schemas.openxmlformats.org/presentationml/2006/main" saveSubsetFonts="1">
+<p:presentation xmlns:a="http://schemas.openxmlformats.org/drawingml/2006/main" xmlns:r="http://schemas.openxmlformats.org/officeDocument/2006/relationships" xmlns:p="http://schemas.openxmlformats.org/presentationml/2006/main" showSpecialPlsOnTitleSld="0" saveSubsetFonts="1">
   <p:sldMasterIdLst>
     <p:sldMasterId id="2147483648" r:id="rId1"/>
   </p:sldMasterIdLst>
   <p:notesMasterIdLst>
-    <p:notesMasterId r:id="rId34"/>
+    <p:notesMasterId r:id="rId33"/>
   </p:notesMasterIdLst>
   <p:sldIdLst>
     <p:sldId id="264" r:id="rId2"/>
@@ -34,12 +34,11 @@
     <p:sldId id="281" r:id="rId25"/>
     <p:sldId id="283" r:id="rId26"/>
     <p:sldId id="287" r:id="rId27"/>
-    <p:sldId id="288" r:id="rId28"/>
-    <p:sldId id="285" r:id="rId29"/>
-    <p:sldId id="284" r:id="rId30"/>
-    <p:sldId id="299" r:id="rId31"/>
-    <p:sldId id="300" r:id="rId32"/>
-    <p:sldId id="286" r:id="rId33"/>
+    <p:sldId id="301" r:id="rId28"/>
+    <p:sldId id="284" r:id="rId29"/>
+    <p:sldId id="299" r:id="rId30"/>
+    <p:sldId id="300" r:id="rId31"/>
+    <p:sldId id="286" r:id="rId32"/>
   </p:sldIdLst>
   <p:sldSz cx="12192000" cy="6858000"/>
   <p:notesSz cx="6858000" cy="9144000"/>
@@ -228,7 +227,7 @@
           <a:p>
             <a:fld id="{5860CE99-39CD-4A65-8F04-356265BCB5A4}" type="datetimeFigureOut">
               <a:rPr lang="en-US" smtClean="0"/>
-              <a:t>6/30/2017</a:t>
+              <a:t>7/2/2017</a:t>
             </a:fld>
             <a:endParaRPr lang="en-US"/>
           </a:p>
@@ -595,6 +594,846 @@
 </p:notes>
 </file>
 
+<file path=ppt/notesSlides/notesSlide10.xml><?xml version="1.0" encoding="utf-8"?>
+<p:notes xmlns:a="http://schemas.openxmlformats.org/drawingml/2006/main" xmlns:r="http://schemas.openxmlformats.org/officeDocument/2006/relationships" xmlns:p="http://schemas.openxmlformats.org/presentationml/2006/main">
+  <p:cSld>
+    <p:spTree>
+      <p:nvGrpSpPr>
+        <p:cNvPr id="1" name=""/>
+        <p:cNvGrpSpPr/>
+        <p:nvPr/>
+      </p:nvGrpSpPr>
+      <p:grpSpPr>
+        <a:xfrm>
+          <a:off x="0" y="0"/>
+          <a:ext cx="0" cy="0"/>
+          <a:chOff x="0" y="0"/>
+          <a:chExt cx="0" cy="0"/>
+        </a:xfrm>
+      </p:grpSpPr>
+      <p:sp>
+        <p:nvSpPr>
+          <p:cNvPr id="2" name="Slide Image Placeholder 1"/>
+          <p:cNvSpPr>
+            <a:spLocks noGrp="1" noRot="1" noChangeAspect="1"/>
+          </p:cNvSpPr>
+          <p:nvPr>
+            <p:ph type="sldImg"/>
+          </p:nvPr>
+        </p:nvSpPr>
+        <p:spPr/>
+      </p:sp>
+      <p:sp>
+        <p:nvSpPr>
+          <p:cNvPr id="3" name="Notes Placeholder 2"/>
+          <p:cNvSpPr>
+            <a:spLocks noGrp="1"/>
+          </p:cNvSpPr>
+          <p:nvPr>
+            <p:ph type="body" idx="1"/>
+          </p:nvPr>
+        </p:nvSpPr>
+        <p:spPr/>
+        <p:txBody>
+          <a:bodyPr/>
+          <a:lstStyle/>
+          <a:p>
+            <a:endParaRPr lang="en-US"/>
+          </a:p>
+        </p:txBody>
+      </p:sp>
+      <p:sp>
+        <p:nvSpPr>
+          <p:cNvPr id="4" name="Slide Number Placeholder 3"/>
+          <p:cNvSpPr>
+            <a:spLocks noGrp="1"/>
+          </p:cNvSpPr>
+          <p:nvPr>
+            <p:ph type="sldNum" sz="quarter" idx="10"/>
+          </p:nvPr>
+        </p:nvSpPr>
+        <p:spPr/>
+        <p:txBody>
+          <a:bodyPr/>
+          <a:lstStyle/>
+          <a:p>
+            <a:fld id="{15E10529-FB4E-498D-80FD-F8C040877B2C}" type="slidenum">
+              <a:rPr lang="en-US" smtClean="0"/>
+              <a:t>17</a:t>
+            </a:fld>
+            <a:endParaRPr lang="en-US"/>
+          </a:p>
+        </p:txBody>
+      </p:sp>
+    </p:spTree>
+    <p:extLst>
+      <p:ext uri="{BB962C8B-B14F-4D97-AF65-F5344CB8AC3E}">
+        <p14:creationId xmlns:p14="http://schemas.microsoft.com/office/powerpoint/2010/main" val="1016687975"/>
+      </p:ext>
+    </p:extLst>
+  </p:cSld>
+  <p:clrMapOvr>
+    <a:masterClrMapping/>
+  </p:clrMapOvr>
+</p:notes>
+</file>
+
+<file path=ppt/notesSlides/notesSlide11.xml><?xml version="1.0" encoding="utf-8"?>
+<p:notes xmlns:a="http://schemas.openxmlformats.org/drawingml/2006/main" xmlns:r="http://schemas.openxmlformats.org/officeDocument/2006/relationships" xmlns:p="http://schemas.openxmlformats.org/presentationml/2006/main">
+  <p:cSld>
+    <p:spTree>
+      <p:nvGrpSpPr>
+        <p:cNvPr id="1" name=""/>
+        <p:cNvGrpSpPr/>
+        <p:nvPr/>
+      </p:nvGrpSpPr>
+      <p:grpSpPr>
+        <a:xfrm>
+          <a:off x="0" y="0"/>
+          <a:ext cx="0" cy="0"/>
+          <a:chOff x="0" y="0"/>
+          <a:chExt cx="0" cy="0"/>
+        </a:xfrm>
+      </p:grpSpPr>
+      <p:sp>
+        <p:nvSpPr>
+          <p:cNvPr id="2" name="Slide Image Placeholder 1"/>
+          <p:cNvSpPr>
+            <a:spLocks noGrp="1" noRot="1" noChangeAspect="1"/>
+          </p:cNvSpPr>
+          <p:nvPr>
+            <p:ph type="sldImg"/>
+          </p:nvPr>
+        </p:nvSpPr>
+        <p:spPr/>
+      </p:sp>
+      <p:sp>
+        <p:nvSpPr>
+          <p:cNvPr id="3" name="Notes Placeholder 2"/>
+          <p:cNvSpPr>
+            <a:spLocks noGrp="1"/>
+          </p:cNvSpPr>
+          <p:nvPr>
+            <p:ph type="body" idx="1"/>
+          </p:nvPr>
+        </p:nvSpPr>
+        <p:spPr/>
+        <p:txBody>
+          <a:bodyPr/>
+          <a:lstStyle/>
+          <a:p>
+            <a:endParaRPr lang="en-US" dirty="0"/>
+          </a:p>
+        </p:txBody>
+      </p:sp>
+      <p:sp>
+        <p:nvSpPr>
+          <p:cNvPr id="4" name="Slide Number Placeholder 3"/>
+          <p:cNvSpPr>
+            <a:spLocks noGrp="1"/>
+          </p:cNvSpPr>
+          <p:nvPr>
+            <p:ph type="sldNum" sz="quarter" idx="10"/>
+          </p:nvPr>
+        </p:nvSpPr>
+        <p:spPr/>
+        <p:txBody>
+          <a:bodyPr/>
+          <a:lstStyle/>
+          <a:p>
+            <a:fld id="{15E10529-FB4E-498D-80FD-F8C040877B2C}" type="slidenum">
+              <a:rPr lang="en-US" smtClean="0"/>
+              <a:t>18</a:t>
+            </a:fld>
+            <a:endParaRPr lang="en-US"/>
+          </a:p>
+        </p:txBody>
+      </p:sp>
+    </p:spTree>
+    <p:extLst>
+      <p:ext uri="{BB962C8B-B14F-4D97-AF65-F5344CB8AC3E}">
+        <p14:creationId xmlns:p14="http://schemas.microsoft.com/office/powerpoint/2010/main" val="1753637096"/>
+      </p:ext>
+    </p:extLst>
+  </p:cSld>
+  <p:clrMapOvr>
+    <a:masterClrMapping/>
+  </p:clrMapOvr>
+</p:notes>
+</file>
+
+<file path=ppt/notesSlides/notesSlide12.xml><?xml version="1.0" encoding="utf-8"?>
+<p:notes xmlns:a="http://schemas.openxmlformats.org/drawingml/2006/main" xmlns:r="http://schemas.openxmlformats.org/officeDocument/2006/relationships" xmlns:p="http://schemas.openxmlformats.org/presentationml/2006/main">
+  <p:cSld>
+    <p:spTree>
+      <p:nvGrpSpPr>
+        <p:cNvPr id="1" name=""/>
+        <p:cNvGrpSpPr/>
+        <p:nvPr/>
+      </p:nvGrpSpPr>
+      <p:grpSpPr>
+        <a:xfrm>
+          <a:off x="0" y="0"/>
+          <a:ext cx="0" cy="0"/>
+          <a:chOff x="0" y="0"/>
+          <a:chExt cx="0" cy="0"/>
+        </a:xfrm>
+      </p:grpSpPr>
+      <p:sp>
+        <p:nvSpPr>
+          <p:cNvPr id="2" name="Slide Image Placeholder 1"/>
+          <p:cNvSpPr>
+            <a:spLocks noGrp="1" noRot="1" noChangeAspect="1"/>
+          </p:cNvSpPr>
+          <p:nvPr>
+            <p:ph type="sldImg"/>
+          </p:nvPr>
+        </p:nvSpPr>
+        <p:spPr/>
+      </p:sp>
+      <p:sp>
+        <p:nvSpPr>
+          <p:cNvPr id="3" name="Notes Placeholder 2"/>
+          <p:cNvSpPr>
+            <a:spLocks noGrp="1"/>
+          </p:cNvSpPr>
+          <p:nvPr>
+            <p:ph type="body" idx="1"/>
+          </p:nvPr>
+        </p:nvSpPr>
+        <p:spPr/>
+        <p:txBody>
+          <a:bodyPr/>
+          <a:lstStyle/>
+          <a:p>
+            <a:endParaRPr lang="en-US" dirty="0"/>
+          </a:p>
+        </p:txBody>
+      </p:sp>
+      <p:sp>
+        <p:nvSpPr>
+          <p:cNvPr id="4" name="Slide Number Placeholder 3"/>
+          <p:cNvSpPr>
+            <a:spLocks noGrp="1"/>
+          </p:cNvSpPr>
+          <p:nvPr>
+            <p:ph type="sldNum" sz="quarter" idx="10"/>
+          </p:nvPr>
+        </p:nvSpPr>
+        <p:spPr/>
+        <p:txBody>
+          <a:bodyPr/>
+          <a:lstStyle/>
+          <a:p>
+            <a:fld id="{15E10529-FB4E-498D-80FD-F8C040877B2C}" type="slidenum">
+              <a:rPr lang="en-US" smtClean="0"/>
+              <a:t>19</a:t>
+            </a:fld>
+            <a:endParaRPr lang="en-US"/>
+          </a:p>
+        </p:txBody>
+      </p:sp>
+    </p:spTree>
+    <p:extLst>
+      <p:ext uri="{BB962C8B-B14F-4D97-AF65-F5344CB8AC3E}">
+        <p14:creationId xmlns:p14="http://schemas.microsoft.com/office/powerpoint/2010/main" val="1534527190"/>
+      </p:ext>
+    </p:extLst>
+  </p:cSld>
+  <p:clrMapOvr>
+    <a:masterClrMapping/>
+  </p:clrMapOvr>
+</p:notes>
+</file>
+
+<file path=ppt/notesSlides/notesSlide13.xml><?xml version="1.0" encoding="utf-8"?>
+<p:notes xmlns:a="http://schemas.openxmlformats.org/drawingml/2006/main" xmlns:r="http://schemas.openxmlformats.org/officeDocument/2006/relationships" xmlns:p="http://schemas.openxmlformats.org/presentationml/2006/main">
+  <p:cSld>
+    <p:spTree>
+      <p:nvGrpSpPr>
+        <p:cNvPr id="1" name=""/>
+        <p:cNvGrpSpPr/>
+        <p:nvPr/>
+      </p:nvGrpSpPr>
+      <p:grpSpPr>
+        <a:xfrm>
+          <a:off x="0" y="0"/>
+          <a:ext cx="0" cy="0"/>
+          <a:chOff x="0" y="0"/>
+          <a:chExt cx="0" cy="0"/>
+        </a:xfrm>
+      </p:grpSpPr>
+      <p:sp>
+        <p:nvSpPr>
+          <p:cNvPr id="2" name="Slide Image Placeholder 1"/>
+          <p:cNvSpPr>
+            <a:spLocks noGrp="1" noRot="1" noChangeAspect="1"/>
+          </p:cNvSpPr>
+          <p:nvPr>
+            <p:ph type="sldImg"/>
+          </p:nvPr>
+        </p:nvSpPr>
+        <p:spPr/>
+      </p:sp>
+      <p:sp>
+        <p:nvSpPr>
+          <p:cNvPr id="3" name="Notes Placeholder 2"/>
+          <p:cNvSpPr>
+            <a:spLocks noGrp="1"/>
+          </p:cNvSpPr>
+          <p:nvPr>
+            <p:ph type="body" idx="1"/>
+          </p:nvPr>
+        </p:nvSpPr>
+        <p:spPr/>
+        <p:txBody>
+          <a:bodyPr/>
+          <a:lstStyle/>
+          <a:p>
+            <a:endParaRPr lang="en-US"/>
+          </a:p>
+        </p:txBody>
+      </p:sp>
+      <p:sp>
+        <p:nvSpPr>
+          <p:cNvPr id="4" name="Slide Number Placeholder 3"/>
+          <p:cNvSpPr>
+            <a:spLocks noGrp="1"/>
+          </p:cNvSpPr>
+          <p:nvPr>
+            <p:ph type="sldNum" sz="quarter" idx="10"/>
+          </p:nvPr>
+        </p:nvSpPr>
+        <p:spPr/>
+        <p:txBody>
+          <a:bodyPr/>
+          <a:lstStyle/>
+          <a:p>
+            <a:fld id="{15E10529-FB4E-498D-80FD-F8C040877B2C}" type="slidenum">
+              <a:rPr lang="en-US" smtClean="0"/>
+              <a:t>20</a:t>
+            </a:fld>
+            <a:endParaRPr lang="en-US"/>
+          </a:p>
+        </p:txBody>
+      </p:sp>
+    </p:spTree>
+    <p:extLst>
+      <p:ext uri="{BB962C8B-B14F-4D97-AF65-F5344CB8AC3E}">
+        <p14:creationId xmlns:p14="http://schemas.microsoft.com/office/powerpoint/2010/main" val="703937922"/>
+      </p:ext>
+    </p:extLst>
+  </p:cSld>
+  <p:clrMapOvr>
+    <a:masterClrMapping/>
+  </p:clrMapOvr>
+</p:notes>
+</file>
+
+<file path=ppt/notesSlides/notesSlide14.xml><?xml version="1.0" encoding="utf-8"?>
+<p:notes xmlns:a="http://schemas.openxmlformats.org/drawingml/2006/main" xmlns:r="http://schemas.openxmlformats.org/officeDocument/2006/relationships" xmlns:p="http://schemas.openxmlformats.org/presentationml/2006/main">
+  <p:cSld>
+    <p:spTree>
+      <p:nvGrpSpPr>
+        <p:cNvPr id="1" name=""/>
+        <p:cNvGrpSpPr/>
+        <p:nvPr/>
+      </p:nvGrpSpPr>
+      <p:grpSpPr>
+        <a:xfrm>
+          <a:off x="0" y="0"/>
+          <a:ext cx="0" cy="0"/>
+          <a:chOff x="0" y="0"/>
+          <a:chExt cx="0" cy="0"/>
+        </a:xfrm>
+      </p:grpSpPr>
+      <p:sp>
+        <p:nvSpPr>
+          <p:cNvPr id="2" name="Slide Image Placeholder 1"/>
+          <p:cNvSpPr>
+            <a:spLocks noGrp="1" noRot="1" noChangeAspect="1"/>
+          </p:cNvSpPr>
+          <p:nvPr>
+            <p:ph type="sldImg"/>
+          </p:nvPr>
+        </p:nvSpPr>
+        <p:spPr/>
+      </p:sp>
+      <p:sp>
+        <p:nvSpPr>
+          <p:cNvPr id="3" name="Notes Placeholder 2"/>
+          <p:cNvSpPr>
+            <a:spLocks noGrp="1"/>
+          </p:cNvSpPr>
+          <p:nvPr>
+            <p:ph type="body" idx="1"/>
+          </p:nvPr>
+        </p:nvSpPr>
+        <p:spPr/>
+        <p:txBody>
+          <a:bodyPr/>
+          <a:lstStyle/>
+          <a:p>
+            <a:endParaRPr lang="en-US" dirty="0"/>
+          </a:p>
+        </p:txBody>
+      </p:sp>
+      <p:sp>
+        <p:nvSpPr>
+          <p:cNvPr id="4" name="Slide Number Placeholder 3"/>
+          <p:cNvSpPr>
+            <a:spLocks noGrp="1"/>
+          </p:cNvSpPr>
+          <p:nvPr>
+            <p:ph type="sldNum" sz="quarter" idx="10"/>
+          </p:nvPr>
+        </p:nvSpPr>
+        <p:spPr/>
+        <p:txBody>
+          <a:bodyPr/>
+          <a:lstStyle/>
+          <a:p>
+            <a:fld id="{15E10529-FB4E-498D-80FD-F8C040877B2C}" type="slidenum">
+              <a:rPr lang="en-US" smtClean="0"/>
+              <a:t>21</a:t>
+            </a:fld>
+            <a:endParaRPr lang="en-US"/>
+          </a:p>
+        </p:txBody>
+      </p:sp>
+    </p:spTree>
+    <p:extLst>
+      <p:ext uri="{BB962C8B-B14F-4D97-AF65-F5344CB8AC3E}">
+        <p14:creationId xmlns:p14="http://schemas.microsoft.com/office/powerpoint/2010/main" val="852686121"/>
+      </p:ext>
+    </p:extLst>
+  </p:cSld>
+  <p:clrMapOvr>
+    <a:masterClrMapping/>
+  </p:clrMapOvr>
+</p:notes>
+</file>
+
+<file path=ppt/notesSlides/notesSlide15.xml><?xml version="1.0" encoding="utf-8"?>
+<p:notes xmlns:a="http://schemas.openxmlformats.org/drawingml/2006/main" xmlns:r="http://schemas.openxmlformats.org/officeDocument/2006/relationships" xmlns:p="http://schemas.openxmlformats.org/presentationml/2006/main">
+  <p:cSld>
+    <p:spTree>
+      <p:nvGrpSpPr>
+        <p:cNvPr id="1" name=""/>
+        <p:cNvGrpSpPr/>
+        <p:nvPr/>
+      </p:nvGrpSpPr>
+      <p:grpSpPr>
+        <a:xfrm>
+          <a:off x="0" y="0"/>
+          <a:ext cx="0" cy="0"/>
+          <a:chOff x="0" y="0"/>
+          <a:chExt cx="0" cy="0"/>
+        </a:xfrm>
+      </p:grpSpPr>
+      <p:sp>
+        <p:nvSpPr>
+          <p:cNvPr id="2" name="Slide Image Placeholder 1"/>
+          <p:cNvSpPr>
+            <a:spLocks noGrp="1" noRot="1" noChangeAspect="1"/>
+          </p:cNvSpPr>
+          <p:nvPr>
+            <p:ph type="sldImg"/>
+          </p:nvPr>
+        </p:nvSpPr>
+        <p:spPr/>
+      </p:sp>
+      <p:sp>
+        <p:nvSpPr>
+          <p:cNvPr id="3" name="Notes Placeholder 2"/>
+          <p:cNvSpPr>
+            <a:spLocks noGrp="1"/>
+          </p:cNvSpPr>
+          <p:nvPr>
+            <p:ph type="body" idx="1"/>
+          </p:nvPr>
+        </p:nvSpPr>
+        <p:spPr/>
+        <p:txBody>
+          <a:bodyPr/>
+          <a:lstStyle/>
+          <a:p>
+            <a:endParaRPr lang="en-US"/>
+          </a:p>
+        </p:txBody>
+      </p:sp>
+      <p:sp>
+        <p:nvSpPr>
+          <p:cNvPr id="4" name="Slide Number Placeholder 3"/>
+          <p:cNvSpPr>
+            <a:spLocks noGrp="1"/>
+          </p:cNvSpPr>
+          <p:nvPr>
+            <p:ph type="sldNum" sz="quarter" idx="10"/>
+          </p:nvPr>
+        </p:nvSpPr>
+        <p:spPr/>
+        <p:txBody>
+          <a:bodyPr/>
+          <a:lstStyle/>
+          <a:p>
+            <a:fld id="{15E10529-FB4E-498D-80FD-F8C040877B2C}" type="slidenum">
+              <a:rPr lang="en-US" smtClean="0"/>
+              <a:t>22</a:t>
+            </a:fld>
+            <a:endParaRPr lang="en-US"/>
+          </a:p>
+        </p:txBody>
+      </p:sp>
+    </p:spTree>
+    <p:extLst>
+      <p:ext uri="{BB962C8B-B14F-4D97-AF65-F5344CB8AC3E}">
+        <p14:creationId xmlns:p14="http://schemas.microsoft.com/office/powerpoint/2010/main" val="3812705311"/>
+      </p:ext>
+    </p:extLst>
+  </p:cSld>
+  <p:clrMapOvr>
+    <a:masterClrMapping/>
+  </p:clrMapOvr>
+</p:notes>
+</file>
+
+<file path=ppt/notesSlides/notesSlide16.xml><?xml version="1.0" encoding="utf-8"?>
+<p:notes xmlns:a="http://schemas.openxmlformats.org/drawingml/2006/main" xmlns:r="http://schemas.openxmlformats.org/officeDocument/2006/relationships" xmlns:p="http://schemas.openxmlformats.org/presentationml/2006/main">
+  <p:cSld>
+    <p:spTree>
+      <p:nvGrpSpPr>
+        <p:cNvPr id="1" name=""/>
+        <p:cNvGrpSpPr/>
+        <p:nvPr/>
+      </p:nvGrpSpPr>
+      <p:grpSpPr>
+        <a:xfrm>
+          <a:off x="0" y="0"/>
+          <a:ext cx="0" cy="0"/>
+          <a:chOff x="0" y="0"/>
+          <a:chExt cx="0" cy="0"/>
+        </a:xfrm>
+      </p:grpSpPr>
+      <p:sp>
+        <p:nvSpPr>
+          <p:cNvPr id="2" name="Slide Image Placeholder 1"/>
+          <p:cNvSpPr>
+            <a:spLocks noGrp="1" noRot="1" noChangeAspect="1"/>
+          </p:cNvSpPr>
+          <p:nvPr>
+            <p:ph type="sldImg"/>
+          </p:nvPr>
+        </p:nvSpPr>
+        <p:spPr/>
+      </p:sp>
+      <p:sp>
+        <p:nvSpPr>
+          <p:cNvPr id="3" name="Notes Placeholder 2"/>
+          <p:cNvSpPr>
+            <a:spLocks noGrp="1"/>
+          </p:cNvSpPr>
+          <p:nvPr>
+            <p:ph type="body" idx="1"/>
+          </p:nvPr>
+        </p:nvSpPr>
+        <p:spPr/>
+        <p:txBody>
+          <a:bodyPr/>
+          <a:lstStyle/>
+          <a:p>
+            <a:endParaRPr lang="en-US"/>
+          </a:p>
+        </p:txBody>
+      </p:sp>
+      <p:sp>
+        <p:nvSpPr>
+          <p:cNvPr id="4" name="Slide Number Placeholder 3"/>
+          <p:cNvSpPr>
+            <a:spLocks noGrp="1"/>
+          </p:cNvSpPr>
+          <p:nvPr>
+            <p:ph type="sldNum" sz="quarter" idx="10"/>
+          </p:nvPr>
+        </p:nvSpPr>
+        <p:spPr/>
+        <p:txBody>
+          <a:bodyPr/>
+          <a:lstStyle/>
+          <a:p>
+            <a:fld id="{15E10529-FB4E-498D-80FD-F8C040877B2C}" type="slidenum">
+              <a:rPr lang="en-US" smtClean="0"/>
+              <a:t>23</a:t>
+            </a:fld>
+            <a:endParaRPr lang="en-US"/>
+          </a:p>
+        </p:txBody>
+      </p:sp>
+    </p:spTree>
+    <p:extLst>
+      <p:ext uri="{BB962C8B-B14F-4D97-AF65-F5344CB8AC3E}">
+        <p14:creationId xmlns:p14="http://schemas.microsoft.com/office/powerpoint/2010/main" val="1669455637"/>
+      </p:ext>
+    </p:extLst>
+  </p:cSld>
+  <p:clrMapOvr>
+    <a:masterClrMapping/>
+  </p:clrMapOvr>
+</p:notes>
+</file>
+
+<file path=ppt/notesSlides/notesSlide17.xml><?xml version="1.0" encoding="utf-8"?>
+<p:notes xmlns:a="http://schemas.openxmlformats.org/drawingml/2006/main" xmlns:r="http://schemas.openxmlformats.org/officeDocument/2006/relationships" xmlns:p="http://schemas.openxmlformats.org/presentationml/2006/main">
+  <p:cSld>
+    <p:spTree>
+      <p:nvGrpSpPr>
+        <p:cNvPr id="1" name=""/>
+        <p:cNvGrpSpPr/>
+        <p:nvPr/>
+      </p:nvGrpSpPr>
+      <p:grpSpPr>
+        <a:xfrm>
+          <a:off x="0" y="0"/>
+          <a:ext cx="0" cy="0"/>
+          <a:chOff x="0" y="0"/>
+          <a:chExt cx="0" cy="0"/>
+        </a:xfrm>
+      </p:grpSpPr>
+      <p:sp>
+        <p:nvSpPr>
+          <p:cNvPr id="2" name="Slide Image Placeholder 1"/>
+          <p:cNvSpPr>
+            <a:spLocks noGrp="1" noRot="1" noChangeAspect="1"/>
+          </p:cNvSpPr>
+          <p:nvPr>
+            <p:ph type="sldImg"/>
+          </p:nvPr>
+        </p:nvSpPr>
+        <p:spPr/>
+      </p:sp>
+      <p:sp>
+        <p:nvSpPr>
+          <p:cNvPr id="3" name="Notes Placeholder 2"/>
+          <p:cNvSpPr>
+            <a:spLocks noGrp="1"/>
+          </p:cNvSpPr>
+          <p:nvPr>
+            <p:ph type="body" idx="1"/>
+          </p:nvPr>
+        </p:nvSpPr>
+        <p:spPr/>
+        <p:txBody>
+          <a:bodyPr/>
+          <a:lstStyle/>
+          <a:p>
+            <a:endParaRPr lang="en-US"/>
+          </a:p>
+        </p:txBody>
+      </p:sp>
+      <p:sp>
+        <p:nvSpPr>
+          <p:cNvPr id="4" name="Slide Number Placeholder 3"/>
+          <p:cNvSpPr>
+            <a:spLocks noGrp="1"/>
+          </p:cNvSpPr>
+          <p:nvPr>
+            <p:ph type="sldNum" sz="quarter" idx="10"/>
+          </p:nvPr>
+        </p:nvSpPr>
+        <p:spPr/>
+        <p:txBody>
+          <a:bodyPr/>
+          <a:lstStyle/>
+          <a:p>
+            <a:fld id="{15E10529-FB4E-498D-80FD-F8C040877B2C}" type="slidenum">
+              <a:rPr lang="en-US" smtClean="0"/>
+              <a:t>24</a:t>
+            </a:fld>
+            <a:endParaRPr lang="en-US"/>
+          </a:p>
+        </p:txBody>
+      </p:sp>
+    </p:spTree>
+    <p:extLst>
+      <p:ext uri="{BB962C8B-B14F-4D97-AF65-F5344CB8AC3E}">
+        <p14:creationId xmlns:p14="http://schemas.microsoft.com/office/powerpoint/2010/main" val="92984643"/>
+      </p:ext>
+    </p:extLst>
+  </p:cSld>
+  <p:clrMapOvr>
+    <a:masterClrMapping/>
+  </p:clrMapOvr>
+</p:notes>
+</file>
+
+<file path=ppt/notesSlides/notesSlide18.xml><?xml version="1.0" encoding="utf-8"?>
+<p:notes xmlns:a="http://schemas.openxmlformats.org/drawingml/2006/main" xmlns:r="http://schemas.openxmlformats.org/officeDocument/2006/relationships" xmlns:p="http://schemas.openxmlformats.org/presentationml/2006/main">
+  <p:cSld>
+    <p:spTree>
+      <p:nvGrpSpPr>
+        <p:cNvPr id="1" name=""/>
+        <p:cNvGrpSpPr/>
+        <p:nvPr/>
+      </p:nvGrpSpPr>
+      <p:grpSpPr>
+        <a:xfrm>
+          <a:off x="0" y="0"/>
+          <a:ext cx="0" cy="0"/>
+          <a:chOff x="0" y="0"/>
+          <a:chExt cx="0" cy="0"/>
+        </a:xfrm>
+      </p:grpSpPr>
+      <p:sp>
+        <p:nvSpPr>
+          <p:cNvPr id="2" name="Slide Image Placeholder 1"/>
+          <p:cNvSpPr>
+            <a:spLocks noGrp="1" noRot="1" noChangeAspect="1"/>
+          </p:cNvSpPr>
+          <p:nvPr>
+            <p:ph type="sldImg"/>
+          </p:nvPr>
+        </p:nvSpPr>
+        <p:spPr/>
+      </p:sp>
+      <p:sp>
+        <p:nvSpPr>
+          <p:cNvPr id="3" name="Notes Placeholder 2"/>
+          <p:cNvSpPr>
+            <a:spLocks noGrp="1"/>
+          </p:cNvSpPr>
+          <p:nvPr>
+            <p:ph type="body" idx="1"/>
+          </p:nvPr>
+        </p:nvSpPr>
+        <p:spPr/>
+        <p:txBody>
+          <a:bodyPr/>
+          <a:lstStyle/>
+          <a:p>
+            <a:endParaRPr lang="en-US"/>
+          </a:p>
+        </p:txBody>
+      </p:sp>
+      <p:sp>
+        <p:nvSpPr>
+          <p:cNvPr id="4" name="Slide Number Placeholder 3"/>
+          <p:cNvSpPr>
+            <a:spLocks noGrp="1"/>
+          </p:cNvSpPr>
+          <p:nvPr>
+            <p:ph type="sldNum" sz="quarter" idx="10"/>
+          </p:nvPr>
+        </p:nvSpPr>
+        <p:spPr/>
+        <p:txBody>
+          <a:bodyPr/>
+          <a:lstStyle/>
+          <a:p>
+            <a:fld id="{15E10529-FB4E-498D-80FD-F8C040877B2C}" type="slidenum">
+              <a:rPr lang="en-US" smtClean="0"/>
+              <a:t>25</a:t>
+            </a:fld>
+            <a:endParaRPr lang="en-US"/>
+          </a:p>
+        </p:txBody>
+      </p:sp>
+    </p:spTree>
+    <p:extLst>
+      <p:ext uri="{BB962C8B-B14F-4D97-AF65-F5344CB8AC3E}">
+        <p14:creationId xmlns:p14="http://schemas.microsoft.com/office/powerpoint/2010/main" val="4090839621"/>
+      </p:ext>
+    </p:extLst>
+  </p:cSld>
+  <p:clrMapOvr>
+    <a:masterClrMapping/>
+  </p:clrMapOvr>
+</p:notes>
+</file>
+
+<file path=ppt/notesSlides/notesSlide19.xml><?xml version="1.0" encoding="utf-8"?>
+<p:notes xmlns:a="http://schemas.openxmlformats.org/drawingml/2006/main" xmlns:r="http://schemas.openxmlformats.org/officeDocument/2006/relationships" xmlns:p="http://schemas.openxmlformats.org/presentationml/2006/main">
+  <p:cSld>
+    <p:spTree>
+      <p:nvGrpSpPr>
+        <p:cNvPr id="1" name=""/>
+        <p:cNvGrpSpPr/>
+        <p:nvPr/>
+      </p:nvGrpSpPr>
+      <p:grpSpPr>
+        <a:xfrm>
+          <a:off x="0" y="0"/>
+          <a:ext cx="0" cy="0"/>
+          <a:chOff x="0" y="0"/>
+          <a:chExt cx="0" cy="0"/>
+        </a:xfrm>
+      </p:grpSpPr>
+      <p:sp>
+        <p:nvSpPr>
+          <p:cNvPr id="2" name="Slide Image Placeholder 1"/>
+          <p:cNvSpPr>
+            <a:spLocks noGrp="1" noRot="1" noChangeAspect="1"/>
+          </p:cNvSpPr>
+          <p:nvPr>
+            <p:ph type="sldImg"/>
+          </p:nvPr>
+        </p:nvSpPr>
+        <p:spPr/>
+      </p:sp>
+      <p:sp>
+        <p:nvSpPr>
+          <p:cNvPr id="3" name="Notes Placeholder 2"/>
+          <p:cNvSpPr>
+            <a:spLocks noGrp="1"/>
+          </p:cNvSpPr>
+          <p:nvPr>
+            <p:ph type="body" idx="1"/>
+          </p:nvPr>
+        </p:nvSpPr>
+        <p:spPr/>
+        <p:txBody>
+          <a:bodyPr/>
+          <a:lstStyle/>
+          <a:p>
+            <a:endParaRPr lang="en-US"/>
+          </a:p>
+        </p:txBody>
+      </p:sp>
+      <p:sp>
+        <p:nvSpPr>
+          <p:cNvPr id="4" name="Slide Number Placeholder 3"/>
+          <p:cNvSpPr>
+            <a:spLocks noGrp="1"/>
+          </p:cNvSpPr>
+          <p:nvPr>
+            <p:ph type="sldNum" sz="quarter" idx="10"/>
+          </p:nvPr>
+        </p:nvSpPr>
+        <p:spPr/>
+        <p:txBody>
+          <a:bodyPr/>
+          <a:lstStyle/>
+          <a:p>
+            <a:fld id="{15E10529-FB4E-498D-80FD-F8C040877B2C}" type="slidenum">
+              <a:rPr lang="en-US" smtClean="0"/>
+              <a:t>26</a:t>
+            </a:fld>
+            <a:endParaRPr lang="en-US"/>
+          </a:p>
+        </p:txBody>
+      </p:sp>
+    </p:spTree>
+    <p:extLst>
+      <p:ext uri="{BB962C8B-B14F-4D97-AF65-F5344CB8AC3E}">
+        <p14:creationId xmlns:p14="http://schemas.microsoft.com/office/powerpoint/2010/main" val="84175060"/>
+      </p:ext>
+    </p:extLst>
+  </p:cSld>
+  <p:clrMapOvr>
+    <a:masterClrMapping/>
+  </p:clrMapOvr>
+</p:notes>
+</file>
+
 <file path=ppt/notesSlides/notesSlide2.xml><?xml version="1.0" encoding="utf-8"?>
 <p:notes xmlns:a="http://schemas.openxmlformats.org/drawingml/2006/main" xmlns:r="http://schemas.openxmlformats.org/officeDocument/2006/relationships" xmlns:p="http://schemas.openxmlformats.org/presentationml/2006/main">
   <p:cSld>
@@ -701,6 +1540,174 @@
     <p:extLst>
       <p:ext uri="{BB962C8B-B14F-4D97-AF65-F5344CB8AC3E}">
         <p14:creationId xmlns:p14="http://schemas.microsoft.com/office/powerpoint/2010/main" val="617322856"/>
+      </p:ext>
+    </p:extLst>
+  </p:cSld>
+  <p:clrMapOvr>
+    <a:masterClrMapping/>
+  </p:clrMapOvr>
+</p:notes>
+</file>
+
+<file path=ppt/notesSlides/notesSlide20.xml><?xml version="1.0" encoding="utf-8"?>
+<p:notes xmlns:a="http://schemas.openxmlformats.org/drawingml/2006/main" xmlns:r="http://schemas.openxmlformats.org/officeDocument/2006/relationships" xmlns:p="http://schemas.openxmlformats.org/presentationml/2006/main">
+  <p:cSld>
+    <p:spTree>
+      <p:nvGrpSpPr>
+        <p:cNvPr id="1" name=""/>
+        <p:cNvGrpSpPr/>
+        <p:nvPr/>
+      </p:nvGrpSpPr>
+      <p:grpSpPr>
+        <a:xfrm>
+          <a:off x="0" y="0"/>
+          <a:ext cx="0" cy="0"/>
+          <a:chOff x="0" y="0"/>
+          <a:chExt cx="0" cy="0"/>
+        </a:xfrm>
+      </p:grpSpPr>
+      <p:sp>
+        <p:nvSpPr>
+          <p:cNvPr id="2" name="Slide Image Placeholder 1"/>
+          <p:cNvSpPr>
+            <a:spLocks noGrp="1" noRot="1" noChangeAspect="1"/>
+          </p:cNvSpPr>
+          <p:nvPr>
+            <p:ph type="sldImg"/>
+          </p:nvPr>
+        </p:nvSpPr>
+        <p:spPr/>
+      </p:sp>
+      <p:sp>
+        <p:nvSpPr>
+          <p:cNvPr id="3" name="Notes Placeholder 2"/>
+          <p:cNvSpPr>
+            <a:spLocks noGrp="1"/>
+          </p:cNvSpPr>
+          <p:nvPr>
+            <p:ph type="body" idx="1"/>
+          </p:nvPr>
+        </p:nvSpPr>
+        <p:spPr/>
+        <p:txBody>
+          <a:bodyPr/>
+          <a:lstStyle/>
+          <a:p>
+            <a:endParaRPr lang="en-US"/>
+          </a:p>
+        </p:txBody>
+      </p:sp>
+      <p:sp>
+        <p:nvSpPr>
+          <p:cNvPr id="4" name="Slide Number Placeholder 3"/>
+          <p:cNvSpPr>
+            <a:spLocks noGrp="1"/>
+          </p:cNvSpPr>
+          <p:nvPr>
+            <p:ph type="sldNum" sz="quarter" idx="10"/>
+          </p:nvPr>
+        </p:nvSpPr>
+        <p:spPr/>
+        <p:txBody>
+          <a:bodyPr/>
+          <a:lstStyle/>
+          <a:p>
+            <a:fld id="{15E10529-FB4E-498D-80FD-F8C040877B2C}" type="slidenum">
+              <a:rPr lang="en-US" smtClean="0"/>
+              <a:t>28</a:t>
+            </a:fld>
+            <a:endParaRPr lang="en-US"/>
+          </a:p>
+        </p:txBody>
+      </p:sp>
+    </p:spTree>
+    <p:extLst>
+      <p:ext uri="{BB962C8B-B14F-4D97-AF65-F5344CB8AC3E}">
+        <p14:creationId xmlns:p14="http://schemas.microsoft.com/office/powerpoint/2010/main" val="1429109502"/>
+      </p:ext>
+    </p:extLst>
+  </p:cSld>
+  <p:clrMapOvr>
+    <a:masterClrMapping/>
+  </p:clrMapOvr>
+</p:notes>
+</file>
+
+<file path=ppt/notesSlides/notesSlide21.xml><?xml version="1.0" encoding="utf-8"?>
+<p:notes xmlns:a="http://schemas.openxmlformats.org/drawingml/2006/main" xmlns:r="http://schemas.openxmlformats.org/officeDocument/2006/relationships" xmlns:p="http://schemas.openxmlformats.org/presentationml/2006/main">
+  <p:cSld>
+    <p:spTree>
+      <p:nvGrpSpPr>
+        <p:cNvPr id="1" name=""/>
+        <p:cNvGrpSpPr/>
+        <p:nvPr/>
+      </p:nvGrpSpPr>
+      <p:grpSpPr>
+        <a:xfrm>
+          <a:off x="0" y="0"/>
+          <a:ext cx="0" cy="0"/>
+          <a:chOff x="0" y="0"/>
+          <a:chExt cx="0" cy="0"/>
+        </a:xfrm>
+      </p:grpSpPr>
+      <p:sp>
+        <p:nvSpPr>
+          <p:cNvPr id="2" name="Slide Image Placeholder 1"/>
+          <p:cNvSpPr>
+            <a:spLocks noGrp="1" noRot="1" noChangeAspect="1"/>
+          </p:cNvSpPr>
+          <p:nvPr>
+            <p:ph type="sldImg"/>
+          </p:nvPr>
+        </p:nvSpPr>
+        <p:spPr/>
+      </p:sp>
+      <p:sp>
+        <p:nvSpPr>
+          <p:cNvPr id="3" name="Notes Placeholder 2"/>
+          <p:cNvSpPr>
+            <a:spLocks noGrp="1"/>
+          </p:cNvSpPr>
+          <p:nvPr>
+            <p:ph type="body" idx="1"/>
+          </p:nvPr>
+        </p:nvSpPr>
+        <p:spPr/>
+        <p:txBody>
+          <a:bodyPr/>
+          <a:lstStyle/>
+          <a:p>
+            <a:endParaRPr lang="en-US" dirty="0"/>
+          </a:p>
+        </p:txBody>
+      </p:sp>
+      <p:sp>
+        <p:nvSpPr>
+          <p:cNvPr id="4" name="Slide Number Placeholder 3"/>
+          <p:cNvSpPr>
+            <a:spLocks noGrp="1"/>
+          </p:cNvSpPr>
+          <p:nvPr>
+            <p:ph type="sldNum" sz="quarter" idx="10"/>
+          </p:nvPr>
+        </p:nvSpPr>
+        <p:spPr/>
+        <p:txBody>
+          <a:bodyPr/>
+          <a:lstStyle/>
+          <a:p>
+            <a:fld id="{15E10529-FB4E-498D-80FD-F8C040877B2C}" type="slidenum">
+              <a:rPr lang="en-US" smtClean="0"/>
+              <a:t>29</a:t>
+            </a:fld>
+            <a:endParaRPr lang="en-US"/>
+          </a:p>
+        </p:txBody>
+      </p:sp>
+    </p:spTree>
+    <p:extLst>
+      <p:ext uri="{BB962C8B-B14F-4D97-AF65-F5344CB8AC3E}">
+        <p14:creationId xmlns:p14="http://schemas.microsoft.com/office/powerpoint/2010/main" val="504774792"/>
       </p:ext>
     </p:extLst>
   </p:cSld>
@@ -1540,6 +2547,178 @@
     <p:extLst>
       <p:ext uri="{BB962C8B-B14F-4D97-AF65-F5344CB8AC3E}">
         <p14:creationId xmlns:p14="http://schemas.microsoft.com/office/powerpoint/2010/main" val="2093869952"/>
+      </p:ext>
+    </p:extLst>
+  </p:cSld>
+  <p:clrMapOvr>
+    <a:masterClrMapping/>
+  </p:clrMapOvr>
+</p:notes>
+</file>
+
+<file path=ppt/notesSlides/notesSlide8.xml><?xml version="1.0" encoding="utf-8"?>
+<p:notes xmlns:a="http://schemas.openxmlformats.org/drawingml/2006/main" xmlns:r="http://schemas.openxmlformats.org/officeDocument/2006/relationships" xmlns:p="http://schemas.openxmlformats.org/presentationml/2006/main">
+  <p:cSld>
+    <p:spTree>
+      <p:nvGrpSpPr>
+        <p:cNvPr id="1" name=""/>
+        <p:cNvGrpSpPr/>
+        <p:nvPr/>
+      </p:nvGrpSpPr>
+      <p:grpSpPr>
+        <a:xfrm>
+          <a:off x="0" y="0"/>
+          <a:ext cx="0" cy="0"/>
+          <a:chOff x="0" y="0"/>
+          <a:chExt cx="0" cy="0"/>
+        </a:xfrm>
+      </p:grpSpPr>
+      <p:sp>
+        <p:nvSpPr>
+          <p:cNvPr id="2" name="Slide Image Placeholder 1"/>
+          <p:cNvSpPr>
+            <a:spLocks noGrp="1" noRot="1" noChangeAspect="1"/>
+          </p:cNvSpPr>
+          <p:nvPr>
+            <p:ph type="sldImg"/>
+          </p:nvPr>
+        </p:nvSpPr>
+        <p:spPr/>
+      </p:sp>
+      <p:sp>
+        <p:nvSpPr>
+          <p:cNvPr id="3" name="Notes Placeholder 2"/>
+          <p:cNvSpPr>
+            <a:spLocks noGrp="1"/>
+          </p:cNvSpPr>
+          <p:nvPr>
+            <p:ph type="body" idx="1"/>
+          </p:nvPr>
+        </p:nvSpPr>
+        <p:spPr/>
+        <p:txBody>
+          <a:bodyPr/>
+          <a:lstStyle/>
+          <a:p>
+            <a:r>
+              <a:rPr lang="en-US" dirty="0" smtClean="0"/>
+              <a:t>https://spark.apache.org/sql/</a:t>
+            </a:r>
+            <a:endParaRPr lang="en-US" dirty="0"/>
+          </a:p>
+        </p:txBody>
+      </p:sp>
+      <p:sp>
+        <p:nvSpPr>
+          <p:cNvPr id="4" name="Slide Number Placeholder 3"/>
+          <p:cNvSpPr>
+            <a:spLocks noGrp="1"/>
+          </p:cNvSpPr>
+          <p:nvPr>
+            <p:ph type="sldNum" sz="quarter" idx="10"/>
+          </p:nvPr>
+        </p:nvSpPr>
+        <p:spPr/>
+        <p:txBody>
+          <a:bodyPr/>
+          <a:lstStyle/>
+          <a:p>
+            <a:fld id="{15E10529-FB4E-498D-80FD-F8C040877B2C}" type="slidenum">
+              <a:rPr lang="en-US" smtClean="0"/>
+              <a:t>10</a:t>
+            </a:fld>
+            <a:endParaRPr lang="en-US"/>
+          </a:p>
+        </p:txBody>
+      </p:sp>
+    </p:spTree>
+    <p:extLst>
+      <p:ext uri="{BB962C8B-B14F-4D97-AF65-F5344CB8AC3E}">
+        <p14:creationId xmlns:p14="http://schemas.microsoft.com/office/powerpoint/2010/main" val="957500908"/>
+      </p:ext>
+    </p:extLst>
+  </p:cSld>
+  <p:clrMapOvr>
+    <a:masterClrMapping/>
+  </p:clrMapOvr>
+</p:notes>
+</file>
+
+<file path=ppt/notesSlides/notesSlide9.xml><?xml version="1.0" encoding="utf-8"?>
+<p:notes xmlns:a="http://schemas.openxmlformats.org/drawingml/2006/main" xmlns:r="http://schemas.openxmlformats.org/officeDocument/2006/relationships" xmlns:p="http://schemas.openxmlformats.org/presentationml/2006/main">
+  <p:cSld>
+    <p:spTree>
+      <p:nvGrpSpPr>
+        <p:cNvPr id="1" name=""/>
+        <p:cNvGrpSpPr/>
+        <p:nvPr/>
+      </p:nvGrpSpPr>
+      <p:grpSpPr>
+        <a:xfrm>
+          <a:off x="0" y="0"/>
+          <a:ext cx="0" cy="0"/>
+          <a:chOff x="0" y="0"/>
+          <a:chExt cx="0" cy="0"/>
+        </a:xfrm>
+      </p:grpSpPr>
+      <p:sp>
+        <p:nvSpPr>
+          <p:cNvPr id="2" name="Slide Image Placeholder 1"/>
+          <p:cNvSpPr>
+            <a:spLocks noGrp="1" noRot="1" noChangeAspect="1"/>
+          </p:cNvSpPr>
+          <p:nvPr>
+            <p:ph type="sldImg"/>
+          </p:nvPr>
+        </p:nvSpPr>
+        <p:spPr/>
+      </p:sp>
+      <p:sp>
+        <p:nvSpPr>
+          <p:cNvPr id="3" name="Notes Placeholder 2"/>
+          <p:cNvSpPr>
+            <a:spLocks noGrp="1"/>
+          </p:cNvSpPr>
+          <p:nvPr>
+            <p:ph type="body" idx="1"/>
+          </p:nvPr>
+        </p:nvSpPr>
+        <p:spPr/>
+        <p:txBody>
+          <a:bodyPr/>
+          <a:lstStyle/>
+          <a:p>
+            <a:endParaRPr lang="en-US"/>
+          </a:p>
+        </p:txBody>
+      </p:sp>
+      <p:sp>
+        <p:nvSpPr>
+          <p:cNvPr id="4" name="Slide Number Placeholder 3"/>
+          <p:cNvSpPr>
+            <a:spLocks noGrp="1"/>
+          </p:cNvSpPr>
+          <p:nvPr>
+            <p:ph type="sldNum" sz="quarter" idx="10"/>
+          </p:nvPr>
+        </p:nvSpPr>
+        <p:spPr/>
+        <p:txBody>
+          <a:bodyPr/>
+          <a:lstStyle/>
+          <a:p>
+            <a:fld id="{15E10529-FB4E-498D-80FD-F8C040877B2C}" type="slidenum">
+              <a:rPr lang="en-US" smtClean="0"/>
+              <a:t>16</a:t>
+            </a:fld>
+            <a:endParaRPr lang="en-US"/>
+          </a:p>
+        </p:txBody>
+      </p:sp>
+    </p:spTree>
+    <p:extLst>
+      <p:ext uri="{BB962C8B-B14F-4D97-AF65-F5344CB8AC3E}">
+        <p14:creationId xmlns:p14="http://schemas.microsoft.com/office/powerpoint/2010/main" val="3000082743"/>
       </p:ext>
     </p:extLst>
   </p:cSld>
@@ -1678,9 +2857,9 @@
           <a:bodyPr/>
           <a:lstStyle/>
           <a:p>
-            <a:fld id="{3C5EFC31-08AA-4029-9CC0-81CDEB4025E3}" type="datetimeFigureOut">
-              <a:rPr lang="en-US" smtClean="0"/>
-              <a:t>6/30/2017</a:t>
+            <a:fld id="{BD25F5A0-D313-435B-8A41-C28D3CFDC2A6}" type="datetime1">
+              <a:rPr lang="en-US" smtClean="0"/>
+              <a:t>7/2/2017</a:t>
             </a:fld>
             <a:endParaRPr lang="en-US"/>
           </a:p>
@@ -1848,9 +3027,9 @@
           <a:bodyPr/>
           <a:lstStyle/>
           <a:p>
-            <a:fld id="{3C5EFC31-08AA-4029-9CC0-81CDEB4025E3}" type="datetimeFigureOut">
-              <a:rPr lang="en-US" smtClean="0"/>
-              <a:t>6/30/2017</a:t>
+            <a:fld id="{B2AA9637-5281-4D53-826D-DAF55F18EB1D}" type="datetime1">
+              <a:rPr lang="en-US" smtClean="0"/>
+              <a:t>7/2/2017</a:t>
             </a:fld>
             <a:endParaRPr lang="en-US"/>
           </a:p>
@@ -2028,9 +3207,9 @@
           <a:bodyPr/>
           <a:lstStyle/>
           <a:p>
-            <a:fld id="{3C5EFC31-08AA-4029-9CC0-81CDEB4025E3}" type="datetimeFigureOut">
-              <a:rPr lang="en-US" smtClean="0"/>
-              <a:t>6/30/2017</a:t>
+            <a:fld id="{468B32F3-2AAC-45EF-AC6A-1BD9E2FA8180}" type="datetime1">
+              <a:rPr lang="en-US" smtClean="0"/>
+              <a:t>7/2/2017</a:t>
             </a:fld>
             <a:endParaRPr lang="en-US"/>
           </a:p>
@@ -2146,10 +3325,9 @@
           <a:bodyPr/>
           <a:lstStyle/>
           <a:p>
-            <a:fld id="{E4606EA6-EFEA-4C30-9264-4F9291A5780D}" type="datetime1">
-              <a:rPr lang="en-US" smtClean="0"/>
-              <a:pPr/>
-              <a:t>6/30/2017</a:t>
+            <a:fld id="{F505718B-FCEB-4C0E-9B94-E1B0DC5A7609}" type="datetime1">
+              <a:rPr lang="en-US" smtClean="0"/>
+              <a:t>7/2/2017</a:t>
             </a:fld>
             <a:endParaRPr lang="en-US"/>
           </a:p>
@@ -2380,9 +3558,9 @@
           <a:bodyPr/>
           <a:lstStyle/>
           <a:p>
-            <a:fld id="{3C5EFC31-08AA-4029-9CC0-81CDEB4025E3}" type="datetimeFigureOut">
-              <a:rPr lang="en-US" smtClean="0"/>
-              <a:t>6/30/2017</a:t>
+            <a:fld id="{9FB39D62-9BF2-41F9-A526-5FB329466DA0}" type="datetime1">
+              <a:rPr lang="en-US" smtClean="0"/>
+              <a:t>7/2/2017</a:t>
             </a:fld>
             <a:endParaRPr lang="en-US"/>
           </a:p>
@@ -2626,9 +3804,9 @@
           <a:bodyPr/>
           <a:lstStyle/>
           <a:p>
-            <a:fld id="{3C5EFC31-08AA-4029-9CC0-81CDEB4025E3}" type="datetimeFigureOut">
-              <a:rPr lang="en-US" smtClean="0"/>
-              <a:t>6/30/2017</a:t>
+            <a:fld id="{67B11DE4-1888-4351-9060-9D9B3C9F842F}" type="datetime1">
+              <a:rPr lang="en-US" smtClean="0"/>
+              <a:t>7/2/2017</a:t>
             </a:fld>
             <a:endParaRPr lang="en-US"/>
           </a:p>
@@ -2858,9 +4036,9 @@
           <a:bodyPr/>
           <a:lstStyle/>
           <a:p>
-            <a:fld id="{3C5EFC31-08AA-4029-9CC0-81CDEB4025E3}" type="datetimeFigureOut">
-              <a:rPr lang="en-US" smtClean="0"/>
-              <a:t>6/30/2017</a:t>
+            <a:fld id="{B0B7010D-C9CC-4672-B7F5-72D28D8C9551}" type="datetime1">
+              <a:rPr lang="en-US" smtClean="0"/>
+              <a:t>7/2/2017</a:t>
             </a:fld>
             <a:endParaRPr lang="en-US"/>
           </a:p>
@@ -3225,9 +4403,9 @@
           <a:bodyPr/>
           <a:lstStyle/>
           <a:p>
-            <a:fld id="{3C5EFC31-08AA-4029-9CC0-81CDEB4025E3}" type="datetimeFigureOut">
-              <a:rPr lang="en-US" smtClean="0"/>
-              <a:t>6/30/2017</a:t>
+            <a:fld id="{67BA3AF3-9CCA-48D0-B03E-F1B8CF676374}" type="datetime1">
+              <a:rPr lang="en-US" smtClean="0"/>
+              <a:t>7/2/2017</a:t>
             </a:fld>
             <a:endParaRPr lang="en-US"/>
           </a:p>
@@ -3343,9 +4521,9 @@
           <a:bodyPr/>
           <a:lstStyle/>
           <a:p>
-            <a:fld id="{3C5EFC31-08AA-4029-9CC0-81CDEB4025E3}" type="datetimeFigureOut">
-              <a:rPr lang="en-US" smtClean="0"/>
-              <a:t>6/30/2017</a:t>
+            <a:fld id="{32B5B93C-4BD1-437C-BD28-72302C46062E}" type="datetime1">
+              <a:rPr lang="en-US" smtClean="0"/>
+              <a:t>7/2/2017</a:t>
             </a:fld>
             <a:endParaRPr lang="en-US"/>
           </a:p>
@@ -3438,9 +4616,9 @@
           <a:bodyPr/>
           <a:lstStyle/>
           <a:p>
-            <a:fld id="{3C5EFC31-08AA-4029-9CC0-81CDEB4025E3}" type="datetimeFigureOut">
-              <a:rPr lang="en-US" smtClean="0"/>
-              <a:t>6/30/2017</a:t>
+            <a:fld id="{73D14F0D-9138-498F-B34A-B217208FB2E7}" type="datetime1">
+              <a:rPr lang="en-US" smtClean="0"/>
+              <a:t>7/2/2017</a:t>
             </a:fld>
             <a:endParaRPr lang="en-US"/>
           </a:p>
@@ -3715,9 +4893,9 @@
           <a:bodyPr/>
           <a:lstStyle/>
           <a:p>
-            <a:fld id="{3C5EFC31-08AA-4029-9CC0-81CDEB4025E3}" type="datetimeFigureOut">
-              <a:rPr lang="en-US" smtClean="0"/>
-              <a:t>6/30/2017</a:t>
+            <a:fld id="{79BBC687-E4D3-4569-A6AA-E1D06512A246}" type="datetime1">
+              <a:rPr lang="en-US" smtClean="0"/>
+              <a:t>7/2/2017</a:t>
             </a:fld>
             <a:endParaRPr lang="en-US"/>
           </a:p>
@@ -3968,9 +5146,9 @@
           <a:bodyPr/>
           <a:lstStyle/>
           <a:p>
-            <a:fld id="{3C5EFC31-08AA-4029-9CC0-81CDEB4025E3}" type="datetimeFigureOut">
-              <a:rPr lang="en-US" smtClean="0"/>
-              <a:t>6/30/2017</a:t>
+            <a:fld id="{E63CA3F0-82AF-4C96-9E86-E889AA3E143B}" type="datetime1">
+              <a:rPr lang="en-US" smtClean="0"/>
+              <a:t>7/2/2017</a:t>
             </a:fld>
             <a:endParaRPr lang="en-US"/>
           </a:p>
@@ -4181,9 +5359,9 @@
             </a:lvl1pPr>
           </a:lstStyle>
           <a:p>
-            <a:fld id="{3C5EFC31-08AA-4029-9CC0-81CDEB4025E3}" type="datetimeFigureOut">
-              <a:rPr lang="en-US" smtClean="0"/>
-              <a:t>6/30/2017</a:t>
+            <a:fld id="{0AA247EA-42F1-4052-9D8A-618BAE132ADF}" type="datetime1">
+              <a:rPr lang="en-US" smtClean="0"/>
+              <a:t>7/2/2017</a:t>
             </a:fld>
             <a:endParaRPr lang="en-US"/>
           </a:p>
@@ -4289,6 +5467,7 @@
     <p:sldLayoutId id="2147483659" r:id="rId11"/>
     <p:sldLayoutId id="2147483660" r:id="rId12"/>
   </p:sldLayoutIdLst>
+  <p:hf hdr="0" ftr="0" dt="0"/>
   <p:txStyles>
     <p:titleStyle>
       <a:lvl1pPr algn="l" defTabSz="914400" rtl="0" eaLnBrk="1" latinLnBrk="0" hangingPunct="1">
@@ -4614,6 +5793,29 @@
           </a:p>
         </p:txBody>
       </p:sp>
+      <p:sp>
+        <p:nvSpPr>
+          <p:cNvPr id="2" name="Slide Number Placeholder 1"/>
+          <p:cNvSpPr>
+            <a:spLocks noGrp="1"/>
+          </p:cNvSpPr>
+          <p:nvPr>
+            <p:ph type="sldNum" sz="quarter" idx="12"/>
+          </p:nvPr>
+        </p:nvSpPr>
+        <p:spPr/>
+        <p:txBody>
+          <a:bodyPr/>
+          <a:lstStyle/>
+          <a:p>
+            <a:fld id="{A50F7ED9-03F7-4ED4-AD65-23021126013D}" type="slidenum">
+              <a:rPr lang="en-US" smtClean="0"/>
+              <a:t>1</a:t>
+            </a:fld>
+            <a:endParaRPr lang="en-US"/>
+          </a:p>
+        </p:txBody>
+      </p:sp>
     </p:spTree>
     <p:extLst>
       <p:ext uri="{BB962C8B-B14F-4D97-AF65-F5344CB8AC3E}">
@@ -4684,26 +5886,100 @@
             <p:ph sz="quarter" idx="13"/>
           </p:nvPr>
         </p:nvSpPr>
-        <p:spPr/>
-        <p:txBody>
-          <a:bodyPr/>
-          <a:lstStyle/>
-          <a:p>
+        <p:spPr>
+          <a:xfrm>
+            <a:off x="812800" y="1720276"/>
+            <a:ext cx="10871200" cy="4368800"/>
+          </a:xfrm>
+        </p:spPr>
+        <p:txBody>
+          <a:bodyPr/>
+          <a:lstStyle/>
+          <a:p>
+            <a:r>
+              <a:rPr lang="en-US" dirty="0"/>
+              <a:t>Seamlessly mix SQL </a:t>
+            </a:r>
             <a:r>
               <a:rPr lang="en-US" dirty="0" smtClean="0"/>
-              <a:t>Point 1</a:t>
-            </a:r>
-          </a:p>
-          <a:p>
+              <a:t>queries</a:t>
+            </a:r>
+          </a:p>
+          <a:p>
+            <a:pPr lvl="1"/>
             <a:r>
               <a:rPr lang="en-US" dirty="0" smtClean="0"/>
-              <a:t>Point 2</a:t>
-            </a:r>
-          </a:p>
-          <a:p>
+              <a:t>SQL or a </a:t>
+            </a:r>
+            <a:r>
+              <a:rPr lang="en-US" dirty="0" err="1" smtClean="0">
+                <a:hlinkClick r:id="rId3"/>
+              </a:rPr>
+              <a:t>DataFrame</a:t>
+            </a:r>
+            <a:r>
+              <a:rPr lang="en-US" dirty="0" smtClean="0">
+                <a:hlinkClick r:id="rId3"/>
+              </a:rPr>
+              <a:t> API</a:t>
+            </a:r>
+            <a:r>
+              <a:rPr lang="en-US" dirty="0"/>
+              <a:t>.</a:t>
+            </a:r>
             <a:r>
               <a:rPr lang="en-US" dirty="0" smtClean="0"/>
-              <a:t>Point 3</a:t>
+              <a:t> </a:t>
+            </a:r>
+            <a:r>
+              <a:rPr lang="en-US" dirty="0"/>
+              <a:t>Usable in Java, Scala, Python and </a:t>
+            </a:r>
+            <a:r>
+              <a:rPr lang="en-US" dirty="0" smtClean="0"/>
+              <a:t>R.</a:t>
+            </a:r>
+          </a:p>
+          <a:p>
+            <a:r>
+              <a:rPr lang="en-US" dirty="0" smtClean="0"/>
+              <a:t>Uniform </a:t>
+            </a:r>
+            <a:r>
+              <a:rPr lang="en-US" dirty="0"/>
+              <a:t>Data </a:t>
+            </a:r>
+            <a:r>
+              <a:rPr lang="en-US" dirty="0" smtClean="0"/>
+              <a:t>Access</a:t>
+            </a:r>
+          </a:p>
+          <a:p>
+            <a:pPr lvl="1"/>
+            <a:r>
+              <a:rPr lang="en-US" dirty="0"/>
+              <a:t>Hive, Avro, Parquet, ORC, JSON, </a:t>
+            </a:r>
+            <a:r>
+              <a:rPr lang="en-US" dirty="0" smtClean="0"/>
+              <a:t>JDBC, and </a:t>
+            </a:r>
+            <a:r>
+              <a:rPr lang="en-US" dirty="0" err="1" smtClean="0"/>
+              <a:t>etc</a:t>
+            </a:r>
+            <a:endParaRPr lang="en-US" dirty="0" smtClean="0"/>
+          </a:p>
+          <a:p>
+            <a:r>
+              <a:rPr lang="en-US" dirty="0"/>
+              <a:t>Hive Compatibility</a:t>
+            </a:r>
+          </a:p>
+          <a:p>
+            <a:r>
+              <a:rPr lang="en-US" dirty="0"/>
+              <a:t>Connect through JDBC or ODBC</a:t>
             </a:r>
             <a:endParaRPr lang="en-US" dirty="0"/>
           </a:p>
@@ -4711,54 +5987,87 @@
       </p:sp>
       <p:pic>
         <p:nvPicPr>
-          <p:cNvPr id="6" name="Picture 5"/>
+          <p:cNvPr id="7" name="Picture 4" descr="Image result for apache spark"/>
           <p:cNvPicPr>
-            <a:picLocks noChangeAspect="1"/>
+            <a:picLocks noChangeAspect="1" noChangeArrowheads="1"/>
           </p:cNvPicPr>
           <p:nvPr/>
         </p:nvPicPr>
         <p:blipFill>
-          <a:blip r:embed="rId2"/>
+          <a:blip r:embed="rId4">
+            <a:clrChange>
+              <a:clrFrom>
+                <a:srgbClr val="FFFFFF"/>
+              </a:clrFrom>
+              <a:clrTo>
+                <a:srgbClr val="FFFFFF">
+                  <a:alpha val="0"/>
+                </a:srgbClr>
+              </a:clrTo>
+            </a:clrChange>
+            <a:extLst>
+              <a:ext uri="{28A0092B-C50C-407E-A947-70E740481C1C}">
+                <a14:useLocalDpi xmlns:a14="http://schemas.microsoft.com/office/drawing/2010/main" val="0"/>
+              </a:ext>
+            </a:extLst>
+          </a:blip>
+          <a:srcRect/>
           <a:stretch>
             <a:fillRect/>
           </a:stretch>
         </p:blipFill>
-        <p:spPr>
+        <p:spPr bwMode="auto">
           <a:xfrm>
-            <a:off x="5080000" y="4546600"/>
-            <a:ext cx="6281877" cy="2133600"/>
+            <a:off x="6373091" y="4367645"/>
+            <a:ext cx="4980709" cy="2490355"/>
           </a:xfrm>
           <a:prstGeom prst="rect">
             <a:avLst/>
           </a:prstGeom>
+          <a:noFill/>
+          <a:extLst>
+            <a:ext uri="{909E8E84-426E-40DD-AFC4-6F175D3DCCD1}">
+              <a14:hiddenFill xmlns:a14="http://schemas.microsoft.com/office/drawing/2010/main">
+                <a:solidFill>
+                  <a:srgbClr val="FFFFFF"/>
+                </a:solidFill>
+              </a14:hiddenFill>
+            </a:ext>
+          </a:extLst>
         </p:spPr>
       </p:pic>
       <p:sp>
         <p:nvSpPr>
-          <p:cNvPr id="5" name="Frame 4"/>
+          <p:cNvPr id="8" name="Rectangle 7"/>
           <p:cNvSpPr/>
           <p:nvPr/>
         </p:nvSpPr>
         <p:spPr>
           <a:xfrm>
-            <a:off x="5181600" y="4749800"/>
-            <a:ext cx="1422400" cy="711200"/>
+            <a:off x="6457372" y="4535054"/>
+            <a:ext cx="1125683" cy="1209964"/>
           </a:xfrm>
-          <a:prstGeom prst="frame">
+          <a:prstGeom prst="rect">
             <a:avLst/>
           </a:prstGeom>
+          <a:noFill/>
+          <a:ln w="76200">
+            <a:solidFill>
+              <a:schemeClr val="accent4"/>
+            </a:solidFill>
+          </a:ln>
         </p:spPr>
         <p:style>
           <a:lnRef idx="2">
-            <a:schemeClr val="accent2">
+            <a:schemeClr val="accent1">
               <a:shade val="50000"/>
             </a:schemeClr>
           </a:lnRef>
           <a:fillRef idx="1">
-            <a:schemeClr val="accent2"/>
+            <a:schemeClr val="accent1"/>
           </a:fillRef>
           <a:effectRef idx="0">
-            <a:schemeClr val="accent2"/>
+            <a:schemeClr val="accent1"/>
           </a:effectRef>
           <a:fontRef idx="minor">
             <a:schemeClr val="lt1"/>
@@ -4769,11 +6078,7 @@
           <a:lstStyle/>
           <a:p>
             <a:pPr algn="ctr"/>
-            <a:endParaRPr lang="en-US" sz="2400">
-              <a:solidFill>
-                <a:schemeClr val="tx1"/>
-              </a:solidFill>
-            </a:endParaRPr>
+            <a:endParaRPr lang="en-US"/>
           </a:p>
         </p:txBody>
       </p:sp>
@@ -4840,81 +6145,151 @@
             <p:ph sz="quarter" idx="13"/>
           </p:nvPr>
         </p:nvSpPr>
-        <p:spPr/>
-        <p:txBody>
-          <a:bodyPr/>
-          <a:lstStyle/>
-          <a:p>
+        <p:spPr>
+          <a:xfrm>
+            <a:off x="812800" y="1452424"/>
+            <a:ext cx="10871200" cy="4368800"/>
+          </a:xfrm>
+        </p:spPr>
+        <p:txBody>
+          <a:bodyPr/>
+          <a:lstStyle/>
+          <a:p>
+            <a:r>
+              <a:rPr lang="en-US" dirty="0"/>
+              <a:t>Ease of </a:t>
+            </a:r>
             <a:r>
               <a:rPr lang="en-US" dirty="0" smtClean="0"/>
-              <a:t>Point 1</a:t>
-            </a:r>
-          </a:p>
-          <a:p>
+              <a:t>Use</a:t>
+            </a:r>
+          </a:p>
+          <a:p>
+            <a:pPr lvl="1"/>
+            <a:r>
+              <a:rPr lang="en-US" dirty="0"/>
+              <a:t>letting you write streaming jobs the same way you write batch jobs</a:t>
+            </a:r>
+          </a:p>
+          <a:p>
+            <a:r>
+              <a:rPr lang="en-US" dirty="0"/>
+              <a:t>Fault </a:t>
+            </a:r>
             <a:r>
               <a:rPr lang="en-US" dirty="0" smtClean="0"/>
-              <a:t>Point 2</a:t>
-            </a:r>
-          </a:p>
-          <a:p>
+              <a:t>Tolerance</a:t>
+            </a:r>
+          </a:p>
+          <a:p>
+            <a:pPr lvl="1"/>
+            <a:r>
+              <a:rPr lang="en-US" dirty="0"/>
+              <a:t>Spark Streaming recovers both lost work and operator state (e.g. sliding windows) out of the box, without any extra code on your part.</a:t>
+            </a:r>
+          </a:p>
+          <a:p>
+            <a:r>
+              <a:rPr lang="en-US" dirty="0"/>
+              <a:t>Spark </a:t>
+            </a:r>
             <a:r>
               <a:rPr lang="en-US" dirty="0" smtClean="0"/>
-              <a:t>Point 3</a:t>
-            </a:r>
-            <a:endParaRPr lang="en-US" dirty="0"/>
+              <a:t>Integration</a:t>
+            </a:r>
+          </a:p>
+          <a:p>
+            <a:pPr lvl="1"/>
+            <a:r>
+              <a:rPr lang="en-US" dirty="0"/>
+              <a:t>Combine streaming with batch and interactive queries.</a:t>
+            </a:r>
           </a:p>
         </p:txBody>
       </p:sp>
       <p:pic>
         <p:nvPicPr>
-          <p:cNvPr id="6" name="Picture 5"/>
+          <p:cNvPr id="8" name="Picture 4" descr="Image result for apache spark"/>
           <p:cNvPicPr>
-            <a:picLocks noChangeAspect="1"/>
+            <a:picLocks noChangeAspect="1" noChangeArrowheads="1"/>
           </p:cNvPicPr>
           <p:nvPr/>
         </p:nvPicPr>
         <p:blipFill>
-          <a:blip r:embed="rId2"/>
+          <a:blip r:embed="rId2">
+            <a:clrChange>
+              <a:clrFrom>
+                <a:srgbClr val="FFFFFF"/>
+              </a:clrFrom>
+              <a:clrTo>
+                <a:srgbClr val="FFFFFF">
+                  <a:alpha val="0"/>
+                </a:srgbClr>
+              </a:clrTo>
+            </a:clrChange>
+            <a:extLst>
+              <a:ext uri="{28A0092B-C50C-407E-A947-70E740481C1C}">
+                <a14:useLocalDpi xmlns:a14="http://schemas.microsoft.com/office/drawing/2010/main" val="0"/>
+              </a:ext>
+            </a:extLst>
+          </a:blip>
+          <a:srcRect/>
           <a:stretch>
             <a:fillRect/>
           </a:stretch>
         </p:blipFill>
-        <p:spPr>
+        <p:spPr bwMode="auto">
           <a:xfrm>
-            <a:off x="5080000" y="4546600"/>
-            <a:ext cx="6281877" cy="2133600"/>
+            <a:off x="6373091" y="4367645"/>
+            <a:ext cx="4980709" cy="2490355"/>
           </a:xfrm>
           <a:prstGeom prst="rect">
             <a:avLst/>
           </a:prstGeom>
+          <a:noFill/>
+          <a:extLst>
+            <a:ext uri="{909E8E84-426E-40DD-AFC4-6F175D3DCCD1}">
+              <a14:hiddenFill xmlns:a14="http://schemas.microsoft.com/office/drawing/2010/main">
+                <a:solidFill>
+                  <a:srgbClr val="FFFFFF"/>
+                </a:solidFill>
+              </a14:hiddenFill>
+            </a:ext>
+          </a:extLst>
         </p:spPr>
       </p:pic>
       <p:sp>
         <p:nvSpPr>
-          <p:cNvPr id="5" name="Frame 4"/>
+          <p:cNvPr id="9" name="Rectangle 8"/>
           <p:cNvSpPr/>
           <p:nvPr/>
         </p:nvSpPr>
         <p:spPr>
           <a:xfrm>
-            <a:off x="6705600" y="4749800"/>
-            <a:ext cx="1524000" cy="711200"/>
+            <a:off x="7713520" y="4535054"/>
+            <a:ext cx="1125683" cy="1209964"/>
           </a:xfrm>
-          <a:prstGeom prst="frame">
+          <a:prstGeom prst="rect">
             <a:avLst/>
           </a:prstGeom>
+          <a:noFill/>
+          <a:ln w="76200">
+            <a:solidFill>
+              <a:schemeClr val="accent4"/>
+            </a:solidFill>
+          </a:ln>
         </p:spPr>
         <p:style>
           <a:lnRef idx="2">
-            <a:schemeClr val="accent2">
+            <a:schemeClr val="accent1">
               <a:shade val="50000"/>
             </a:schemeClr>
           </a:lnRef>
           <a:fillRef idx="1">
-            <a:schemeClr val="accent2"/>
+            <a:schemeClr val="accent1"/>
           </a:fillRef>
           <a:effectRef idx="0">
-            <a:schemeClr val="accent2"/>
+            <a:schemeClr val="accent1"/>
           </a:effectRef>
           <a:fontRef idx="minor">
             <a:schemeClr val="lt1"/>
@@ -4925,11 +6300,7 @@
           <a:lstStyle/>
           <a:p>
             <a:pPr algn="ctr"/>
-            <a:endParaRPr lang="en-US" sz="2400">
-              <a:solidFill>
-                <a:schemeClr val="tx1"/>
-              </a:solidFill>
-            </a:endParaRPr>
+            <a:endParaRPr lang="en-US"/>
           </a:p>
         </p:txBody>
       </p:sp>
@@ -5006,75 +6377,144 @@
           <a:lstStyle/>
           <a:p>
             <a:r>
+              <a:rPr lang="en-US" dirty="0"/>
+              <a:t>Ease of </a:t>
+            </a:r>
+            <a:r>
               <a:rPr lang="en-US" dirty="0" smtClean="0"/>
-              <a:t>Point 1</a:t>
+              <a:t>Use</a:t>
+            </a:r>
+          </a:p>
+          <a:p>
+            <a:pPr lvl="1"/>
+            <a:r>
+              <a:rPr lang="en-US" dirty="0"/>
+              <a:t>Usable in Java, Scala, Python, and R.</a:t>
             </a:r>
           </a:p>
           <a:p>
             <a:r>
               <a:rPr lang="en-US" dirty="0" smtClean="0"/>
-              <a:t>Point 2</a:t>
-            </a:r>
-          </a:p>
-          <a:p>
+              <a:t>Performance</a:t>
+            </a:r>
+          </a:p>
+          <a:p>
+            <a:pPr lvl="1"/>
+            <a:r>
+              <a:rPr lang="en-US" dirty="0"/>
+              <a:t>High-quality algorithms, 100x faster than </a:t>
+            </a:r>
+            <a:r>
+              <a:rPr lang="en-US" dirty="0" err="1"/>
+              <a:t>MapReduce</a:t>
+            </a:r>
+            <a:r>
+              <a:rPr lang="en-US" dirty="0"/>
+              <a:t>.</a:t>
+            </a:r>
+          </a:p>
+          <a:p>
+            <a:r>
+              <a:rPr lang="en-US" dirty="0"/>
+              <a:t>Easy to </a:t>
+            </a:r>
             <a:r>
               <a:rPr lang="en-US" dirty="0" smtClean="0"/>
-              <a:t>Point 3</a:t>
-            </a:r>
-            <a:endParaRPr lang="en-US" dirty="0"/>
+              <a:t>Deploy</a:t>
+            </a:r>
+          </a:p>
+          <a:p>
+            <a:pPr lvl="1"/>
+            <a:r>
+              <a:rPr lang="en-US" dirty="0"/>
+              <a:t>Runs on existing Hadoop clusters and data.</a:t>
+            </a:r>
           </a:p>
         </p:txBody>
       </p:sp>
       <p:pic>
         <p:nvPicPr>
-          <p:cNvPr id="6" name="Picture 5"/>
+          <p:cNvPr id="7" name="Picture 4" descr="Image result for apache spark"/>
           <p:cNvPicPr>
-            <a:picLocks noChangeAspect="1"/>
+            <a:picLocks noChangeAspect="1" noChangeArrowheads="1"/>
           </p:cNvPicPr>
           <p:nvPr/>
         </p:nvPicPr>
         <p:blipFill>
-          <a:blip r:embed="rId2"/>
+          <a:blip r:embed="rId2">
+            <a:clrChange>
+              <a:clrFrom>
+                <a:srgbClr val="FFFFFF"/>
+              </a:clrFrom>
+              <a:clrTo>
+                <a:srgbClr val="FFFFFF">
+                  <a:alpha val="0"/>
+                </a:srgbClr>
+              </a:clrTo>
+            </a:clrChange>
+            <a:extLst>
+              <a:ext uri="{28A0092B-C50C-407E-A947-70E740481C1C}">
+                <a14:useLocalDpi xmlns:a14="http://schemas.microsoft.com/office/drawing/2010/main" val="0"/>
+              </a:ext>
+            </a:extLst>
+          </a:blip>
+          <a:srcRect/>
           <a:stretch>
             <a:fillRect/>
           </a:stretch>
         </p:blipFill>
-        <p:spPr>
+        <p:spPr bwMode="auto">
           <a:xfrm>
-            <a:off x="5080000" y="4546600"/>
-            <a:ext cx="6281877" cy="2133600"/>
+            <a:off x="6373091" y="4367645"/>
+            <a:ext cx="4980709" cy="2490355"/>
           </a:xfrm>
           <a:prstGeom prst="rect">
             <a:avLst/>
           </a:prstGeom>
+          <a:noFill/>
+          <a:extLst>
+            <a:ext uri="{909E8E84-426E-40DD-AFC4-6F175D3DCCD1}">
+              <a14:hiddenFill xmlns:a14="http://schemas.microsoft.com/office/drawing/2010/main">
+                <a:solidFill>
+                  <a:srgbClr val="FFFFFF"/>
+                </a:solidFill>
+              </a14:hiddenFill>
+            </a:ext>
+          </a:extLst>
         </p:spPr>
       </p:pic>
       <p:sp>
         <p:nvSpPr>
-          <p:cNvPr id="5" name="Frame 4"/>
+          <p:cNvPr id="8" name="Rectangle 7"/>
           <p:cNvSpPr/>
           <p:nvPr/>
         </p:nvSpPr>
         <p:spPr>
           <a:xfrm>
-            <a:off x="8331200" y="4749800"/>
-            <a:ext cx="1422400" cy="711200"/>
+            <a:off x="8914244" y="4535054"/>
+            <a:ext cx="1125683" cy="1209964"/>
           </a:xfrm>
-          <a:prstGeom prst="frame">
+          <a:prstGeom prst="rect">
             <a:avLst/>
           </a:prstGeom>
+          <a:noFill/>
+          <a:ln w="76200">
+            <a:solidFill>
+              <a:schemeClr val="accent4"/>
+            </a:solidFill>
+          </a:ln>
         </p:spPr>
         <p:style>
           <a:lnRef idx="2">
-            <a:schemeClr val="accent2">
+            <a:schemeClr val="accent1">
               <a:shade val="50000"/>
             </a:schemeClr>
           </a:lnRef>
           <a:fillRef idx="1">
-            <a:schemeClr val="accent2"/>
+            <a:schemeClr val="accent1"/>
           </a:fillRef>
           <a:effectRef idx="0">
-            <a:schemeClr val="accent2"/>
+            <a:schemeClr val="accent1"/>
           </a:effectRef>
           <a:fontRef idx="minor">
             <a:schemeClr val="lt1"/>
@@ -5085,11 +6525,7 @@
           <a:lstStyle/>
           <a:p>
             <a:pPr algn="ctr"/>
-            <a:endParaRPr lang="en-US" sz="2400">
-              <a:solidFill>
-                <a:schemeClr val="tx1"/>
-              </a:solidFill>
-            </a:endParaRPr>
+            <a:endParaRPr lang="en-US"/>
           </a:p>
         </p:txBody>
       </p:sp>
@@ -5163,74 +6599,155 @@
           <a:p>
             <a:r>
               <a:rPr lang="en-US" dirty="0" smtClean="0"/>
-              <a:t>Point 1</a:t>
-            </a:r>
-          </a:p>
-          <a:p>
+              <a:t>Flexibility</a:t>
+            </a:r>
+          </a:p>
+          <a:p>
+            <a:pPr lvl="1"/>
+            <a:r>
+              <a:rPr lang="en-US" dirty="0"/>
+              <a:t>Seamlessly work with both graphs and collections</a:t>
+            </a:r>
             <a:r>
               <a:rPr lang="en-US" dirty="0" smtClean="0"/>
-              <a:t>Point 2</a:t>
-            </a:r>
-          </a:p>
-          <a:p>
-            <a:r>
-              <a:rPr lang="en-US" dirty="0" smtClean="0"/>
-              <a:t>Point 3</a:t>
+              <a:t>.</a:t>
             </a:r>
             <a:endParaRPr lang="en-US" dirty="0"/>
+          </a:p>
+          <a:p>
+            <a:r>
+              <a:rPr lang="en-US" dirty="0"/>
+              <a:t>Speed</a:t>
+            </a:r>
+          </a:p>
+          <a:p>
+            <a:pPr lvl="1"/>
+            <a:r>
+              <a:rPr lang="en-US" dirty="0"/>
+              <a:t>Comparable performance to the fastest specialized graph processing systems.</a:t>
+            </a:r>
+            <a:endParaRPr lang="en-US" dirty="0" smtClean="0"/>
           </a:p>
         </p:txBody>
       </p:sp>
       <p:pic>
         <p:nvPicPr>
-          <p:cNvPr id="6" name="Picture 5"/>
+          <p:cNvPr id="7" name="Picture 6"/>
           <p:cNvPicPr>
             <a:picLocks noChangeAspect="1"/>
           </p:cNvPicPr>
           <p:nvPr/>
         </p:nvPicPr>
         <p:blipFill>
-          <a:blip r:embed="rId2"/>
+          <a:blip r:embed="rId2">
+            <a:clrChange>
+              <a:clrFrom>
+                <a:srgbClr val="FFFFFF"/>
+              </a:clrFrom>
+              <a:clrTo>
+                <a:srgbClr val="FFFFFF">
+                  <a:alpha val="0"/>
+                </a:srgbClr>
+              </a:clrTo>
+            </a:clrChange>
+          </a:blip>
           <a:stretch>
             <a:fillRect/>
           </a:stretch>
         </p:blipFill>
         <p:spPr>
           <a:xfrm>
-            <a:off x="5080000" y="4546600"/>
-            <a:ext cx="6281877" cy="2133600"/>
+            <a:off x="812800" y="3860799"/>
+            <a:ext cx="2874872" cy="2860675"/>
           </a:xfrm>
           <a:prstGeom prst="rect">
             <a:avLst/>
           </a:prstGeom>
         </p:spPr>
       </p:pic>
-      <p:sp>
-        <p:nvSpPr>
-          <p:cNvPr id="5" name="Frame 4"/>
+      <p:pic>
+        <p:nvPicPr>
+          <p:cNvPr id="8" name="Picture 4" descr="Image result for apache spark"/>
+          <p:cNvPicPr>
+            <a:picLocks noChangeAspect="1" noChangeArrowheads="1"/>
+          </p:cNvPicPr>
+          <p:nvPr/>
+        </p:nvPicPr>
+        <p:blipFill>
+          <a:blip r:embed="rId3">
+            <a:clrChange>
+              <a:clrFrom>
+                <a:srgbClr val="FFFFFF"/>
+              </a:clrFrom>
+              <a:clrTo>
+                <a:srgbClr val="FFFFFF">
+                  <a:alpha val="0"/>
+                </a:srgbClr>
+              </a:clrTo>
+            </a:clrChange>
+            <a:extLst>
+              <a:ext uri="{28A0092B-C50C-407E-A947-70E740481C1C}">
+                <a14:useLocalDpi xmlns:a14="http://schemas.microsoft.com/office/drawing/2010/main" val="0"/>
+              </a:ext>
+            </a:extLst>
+          </a:blip>
+          <a:srcRect/>
+          <a:stretch>
+            <a:fillRect/>
+          </a:stretch>
+        </p:blipFill>
+        <p:spPr bwMode="auto">
+          <a:xfrm>
+            <a:off x="6373091" y="4367645"/>
+            <a:ext cx="4980709" cy="2490355"/>
+          </a:xfrm>
+          <a:prstGeom prst="rect">
+            <a:avLst/>
+          </a:prstGeom>
+          <a:noFill/>
+          <a:extLst>
+            <a:ext uri="{909E8E84-426E-40DD-AFC4-6F175D3DCCD1}">
+              <a14:hiddenFill xmlns:a14="http://schemas.microsoft.com/office/drawing/2010/main">
+                <a:solidFill>
+                  <a:srgbClr val="FFFFFF"/>
+                </a:solidFill>
+              </a14:hiddenFill>
+            </a:ext>
+          </a:extLst>
+        </p:spPr>
+      </p:pic>
+      <p:sp>
+        <p:nvSpPr>
+          <p:cNvPr id="9" name="Rectangle 8"/>
           <p:cNvSpPr/>
           <p:nvPr/>
         </p:nvSpPr>
         <p:spPr>
           <a:xfrm>
-            <a:off x="9855200" y="4749800"/>
-            <a:ext cx="1524000" cy="711200"/>
+            <a:off x="10124211" y="4535054"/>
+            <a:ext cx="1125683" cy="1209964"/>
           </a:xfrm>
-          <a:prstGeom prst="frame">
+          <a:prstGeom prst="rect">
             <a:avLst/>
           </a:prstGeom>
+          <a:noFill/>
+          <a:ln w="76200">
+            <a:solidFill>
+              <a:schemeClr val="accent4"/>
+            </a:solidFill>
+          </a:ln>
         </p:spPr>
         <p:style>
           <a:lnRef idx="2">
-            <a:schemeClr val="accent2">
+            <a:schemeClr val="accent1">
               <a:shade val="50000"/>
             </a:schemeClr>
           </a:lnRef>
           <a:fillRef idx="1">
-            <a:schemeClr val="accent2"/>
+            <a:schemeClr val="accent1"/>
           </a:fillRef>
           <a:effectRef idx="0">
-            <a:schemeClr val="accent2"/>
+            <a:schemeClr val="accent1"/>
           </a:effectRef>
           <a:fontRef idx="minor">
             <a:schemeClr val="lt1"/>
@@ -5241,11 +6758,7 @@
           <a:lstStyle/>
           <a:p>
             <a:pPr algn="ctr"/>
-            <a:endParaRPr lang="en-US" sz="2400">
-              <a:solidFill>
-                <a:schemeClr val="tx1"/>
-              </a:solidFill>
-            </a:endParaRPr>
+            <a:endParaRPr lang="en-US"/>
           </a:p>
         </p:txBody>
       </p:sp>
@@ -5318,20 +6831,68 @@
           <a:lstStyle/>
           <a:p>
             <a:r>
-              <a:rPr lang="en-US" dirty="0" smtClean="0"/>
-              <a:t>Point 1</a:t>
-            </a:r>
-          </a:p>
-          <a:p>
-            <a:r>
-              <a:rPr lang="en-US" dirty="0" smtClean="0"/>
-              <a:t>Point 2</a:t>
-            </a:r>
-          </a:p>
-          <a:p>
-            <a:r>
-              <a:rPr lang="en-US" dirty="0" smtClean="0"/>
-              <a:t>Point 3</a:t>
+              <a:rPr lang="en-US" dirty="0">
+                <a:solidFill>
+                  <a:srgbClr val="0033CC"/>
+                </a:solidFill>
+              </a:rPr>
+              <a:t>Standalone</a:t>
+            </a:r>
+            <a:r>
+              <a:rPr lang="en-US" dirty="0"/>
+              <a:t> – a simple cluster manager included with Spark that makes it easy to set up a cluster.</a:t>
+            </a:r>
+          </a:p>
+          <a:p>
+            <a:r>
+              <a:rPr lang="en-US" dirty="0">
+                <a:solidFill>
+                  <a:srgbClr val="0033CC"/>
+                </a:solidFill>
+              </a:rPr>
+              <a:t>Apache </a:t>
+            </a:r>
+            <a:r>
+              <a:rPr lang="en-US" dirty="0" err="1">
+                <a:solidFill>
+                  <a:srgbClr val="0033CC"/>
+                </a:solidFill>
+              </a:rPr>
+              <a:t>Mesos</a:t>
+            </a:r>
+            <a:r>
+              <a:rPr lang="en-US" dirty="0">
+                <a:solidFill>
+                  <a:srgbClr val="0033CC"/>
+                </a:solidFill>
+              </a:rPr>
+              <a:t> </a:t>
+            </a:r>
+            <a:r>
+              <a:rPr lang="en-US" dirty="0"/>
+              <a:t>– a general cluster manager that can also run Hadoop </a:t>
+            </a:r>
+            <a:r>
+              <a:rPr lang="en-US" dirty="0" err="1"/>
+              <a:t>MapReduce</a:t>
+            </a:r>
+            <a:r>
+              <a:rPr lang="en-US" dirty="0"/>
+              <a:t> and service applications.</a:t>
+            </a:r>
+          </a:p>
+          <a:p>
+            <a:r>
+              <a:rPr lang="en-US" dirty="0">
+                <a:solidFill>
+                  <a:srgbClr val="0033CC"/>
+                </a:solidFill>
+              </a:rPr>
+              <a:t>Hadoop YARN </a:t>
+            </a:r>
+            <a:r>
+              <a:rPr lang="en-US" dirty="0"/>
+              <a:t>– the resource manager in Hadoop 2.</a:t>
             </a:r>
             <a:endParaRPr lang="en-US" dirty="0"/>
           </a:p>
@@ -5339,72 +6900,55 @@
       </p:sp>
       <p:pic>
         <p:nvPicPr>
-          <p:cNvPr id="6" name="Picture 5"/>
+          <p:cNvPr id="7" name="Picture 4" descr="Image result for apache spark"/>
           <p:cNvPicPr>
-            <a:picLocks noChangeAspect="1"/>
+            <a:picLocks noChangeAspect="1" noChangeArrowheads="1"/>
           </p:cNvPicPr>
           <p:nvPr/>
         </p:nvPicPr>
         <p:blipFill>
-          <a:blip r:embed="rId2"/>
+          <a:blip r:embed="rId2">
+            <a:clrChange>
+              <a:clrFrom>
+                <a:srgbClr val="FFFFFF"/>
+              </a:clrFrom>
+              <a:clrTo>
+                <a:srgbClr val="FFFFFF">
+                  <a:alpha val="0"/>
+                </a:srgbClr>
+              </a:clrTo>
+            </a:clrChange>
+            <a:extLst>
+              <a:ext uri="{28A0092B-C50C-407E-A947-70E740481C1C}">
+                <a14:useLocalDpi xmlns:a14="http://schemas.microsoft.com/office/drawing/2010/main" val="0"/>
+              </a:ext>
+            </a:extLst>
+          </a:blip>
+          <a:srcRect/>
           <a:stretch>
             <a:fillRect/>
           </a:stretch>
         </p:blipFill>
-        <p:spPr>
+        <p:spPr bwMode="auto">
           <a:xfrm>
-            <a:off x="5080000" y="4546600"/>
-            <a:ext cx="6281877" cy="2133600"/>
+            <a:off x="6373091" y="4367645"/>
+            <a:ext cx="4980709" cy="2490355"/>
           </a:xfrm>
           <a:prstGeom prst="rect">
             <a:avLst/>
           </a:prstGeom>
+          <a:noFill/>
+          <a:extLst>
+            <a:ext uri="{909E8E84-426E-40DD-AFC4-6F175D3DCCD1}">
+              <a14:hiddenFill xmlns:a14="http://schemas.microsoft.com/office/drawing/2010/main">
+                <a:solidFill>
+                  <a:srgbClr val="FFFFFF"/>
+                </a:solidFill>
+              </a14:hiddenFill>
+            </a:ext>
+          </a:extLst>
         </p:spPr>
       </p:pic>
-      <p:sp>
-        <p:nvSpPr>
-          <p:cNvPr id="5" name="Frame 4"/>
-          <p:cNvSpPr/>
-          <p:nvPr/>
-        </p:nvSpPr>
-        <p:spPr>
-          <a:xfrm>
-            <a:off x="8331200" y="5969000"/>
-            <a:ext cx="3048000" cy="609600"/>
-          </a:xfrm>
-          <a:prstGeom prst="frame">
-            <a:avLst/>
-          </a:prstGeom>
-        </p:spPr>
-        <p:style>
-          <a:lnRef idx="2">
-            <a:schemeClr val="accent2">
-              <a:shade val="50000"/>
-            </a:schemeClr>
-          </a:lnRef>
-          <a:fillRef idx="1">
-            <a:schemeClr val="accent2"/>
-          </a:fillRef>
-          <a:effectRef idx="0">
-            <a:schemeClr val="accent2"/>
-          </a:effectRef>
-          <a:fontRef idx="minor">
-            <a:schemeClr val="lt1"/>
-          </a:fontRef>
-        </p:style>
-        <p:txBody>
-          <a:bodyPr rtlCol="0" anchor="ctr"/>
-          <a:lstStyle/>
-          <a:p>
-            <a:pPr algn="ctr"/>
-            <a:endParaRPr lang="en-US" sz="2400">
-              <a:solidFill>
-                <a:schemeClr val="tx1"/>
-              </a:solidFill>
-            </a:endParaRPr>
-          </a:p>
-        </p:txBody>
-      </p:sp>
     </p:spTree>
     <p:extLst>
       <p:ext uri="{BB962C8B-B14F-4D97-AF65-F5344CB8AC3E}">
@@ -5457,6 +7001,29 @@
               <a:t>How to Start?</a:t>
             </a:r>
             <a:endParaRPr lang="en-US" dirty="0"/>
+          </a:p>
+        </p:txBody>
+      </p:sp>
+      <p:sp>
+        <p:nvSpPr>
+          <p:cNvPr id="2" name="Slide Number Placeholder 1"/>
+          <p:cNvSpPr>
+            <a:spLocks noGrp="1"/>
+          </p:cNvSpPr>
+          <p:nvPr>
+            <p:ph type="sldNum" sz="quarter" idx="12"/>
+          </p:nvPr>
+        </p:nvSpPr>
+        <p:spPr/>
+        <p:txBody>
+          <a:bodyPr/>
+          <a:lstStyle/>
+          <a:p>
+            <a:fld id="{A50F7ED9-03F7-4ED4-AD65-23021126013D}" type="slidenum">
+              <a:rPr lang="en-US" smtClean="0"/>
+              <a:t>15</a:t>
+            </a:fld>
+            <a:endParaRPr lang="en-US"/>
           </a:p>
         </p:txBody>
       </p:sp>
@@ -5506,7 +7073,7 @@
           <p:nvPr/>
         </p:nvPicPr>
         <p:blipFill>
-          <a:blip r:embed="rId2"/>
+          <a:blip r:embed="rId3"/>
           <a:stretch>
             <a:fillRect/>
           </a:stretch>
@@ -5532,7 +7099,7 @@
           </p:nvPr>
         </p:nvPicPr>
         <p:blipFill>
-          <a:blip r:embed="rId3"/>
+          <a:blip r:embed="rId4"/>
           <a:stretch>
             <a:fillRect/>
           </a:stretch>
@@ -5722,6 +7289,29 @@
               <a:t>.</a:t>
             </a:r>
             <a:endParaRPr lang="en-US" sz="2000" dirty="0"/>
+          </a:p>
+        </p:txBody>
+      </p:sp>
+      <p:sp>
+        <p:nvSpPr>
+          <p:cNvPr id="2" name="Slide Number Placeholder 1"/>
+          <p:cNvSpPr>
+            <a:spLocks noGrp="1"/>
+          </p:cNvSpPr>
+          <p:nvPr>
+            <p:ph type="sldNum" sz="quarter" idx="12"/>
+          </p:nvPr>
+        </p:nvSpPr>
+        <p:spPr/>
+        <p:txBody>
+          <a:bodyPr/>
+          <a:lstStyle/>
+          <a:p>
+            <a:fld id="{A50F7ED9-03F7-4ED4-AD65-23021126013D}" type="slidenum">
+              <a:rPr lang="en-US" smtClean="0"/>
+              <a:t>16</a:t>
+            </a:fld>
+            <a:endParaRPr lang="en-US"/>
           </a:p>
         </p:txBody>
       </p:sp>
@@ -5793,42 +7383,93 @@
           <a:bodyPr/>
           <a:lstStyle/>
           <a:p>
+            <a:pPr>
+              <a:lnSpc>
+                <a:spcPct val="150000"/>
+              </a:lnSpc>
+            </a:pPr>
             <a:r>
               <a:rPr lang="en-US" dirty="0" smtClean="0"/>
               <a:t>The Databricks Guide</a:t>
             </a:r>
           </a:p>
           <a:p>
-            <a:pPr lvl="1"/>
+            <a:pPr lvl="1">
+              <a:lnSpc>
+                <a:spcPct val="150000"/>
+              </a:lnSpc>
+            </a:pPr>
             <a:r>
               <a:rPr lang="en-US" dirty="0" smtClean="0"/>
               <a:t>Sample code/ tutorials</a:t>
             </a:r>
           </a:p>
           <a:p>
+            <a:pPr>
+              <a:lnSpc>
+                <a:spcPct val="150000"/>
+              </a:lnSpc>
+            </a:pPr>
             <a:r>
               <a:rPr lang="en-US" dirty="0" smtClean="0"/>
               <a:t>The Spark APIs</a:t>
             </a:r>
           </a:p>
           <a:p>
+            <a:pPr>
+              <a:lnSpc>
+                <a:spcPct val="150000"/>
+              </a:lnSpc>
+            </a:pPr>
             <a:r>
               <a:rPr lang="en-US" dirty="0" smtClean="0"/>
               <a:t>The Apache Spark Documentation</a:t>
             </a:r>
           </a:p>
           <a:p>
+            <a:pPr>
+              <a:lnSpc>
+                <a:spcPct val="150000"/>
+              </a:lnSpc>
+            </a:pPr>
             <a:r>
               <a:rPr lang="en-US" dirty="0" smtClean="0"/>
               <a:t>Databricks Forums</a:t>
             </a:r>
           </a:p>
           <a:p>
-            <a:pPr lvl="1"/>
+            <a:pPr lvl="1">
+              <a:lnSpc>
+                <a:spcPct val="150000"/>
+              </a:lnSpc>
+            </a:pPr>
             <a:r>
               <a:rPr lang="en-US" dirty="0"/>
               <a:t>https://forums.databricks.com/</a:t>
             </a:r>
+          </a:p>
+        </p:txBody>
+      </p:sp>
+      <p:sp>
+        <p:nvSpPr>
+          <p:cNvPr id="4" name="Slide Number Placeholder 3"/>
+          <p:cNvSpPr>
+            <a:spLocks noGrp="1"/>
+          </p:cNvSpPr>
+          <p:nvPr>
+            <p:ph type="sldNum" sz="quarter" idx="12"/>
+          </p:nvPr>
+        </p:nvSpPr>
+        <p:spPr/>
+        <p:txBody>
+          <a:bodyPr/>
+          <a:lstStyle/>
+          <a:p>
+            <a:fld id="{A50F7ED9-03F7-4ED4-AD65-23021126013D}" type="slidenum">
+              <a:rPr lang="en-US" smtClean="0"/>
+              <a:t>17</a:t>
+            </a:fld>
+            <a:endParaRPr lang="en-US"/>
           </a:p>
         </p:txBody>
       </p:sp>
@@ -5896,7 +7537,7 @@
           </p:nvPr>
         </p:nvPicPr>
         <p:blipFill>
-          <a:blip r:embed="rId2"/>
+          <a:blip r:embed="rId3"/>
           <a:stretch>
             <a:fillRect/>
           </a:stretch>
@@ -6021,6 +7662,29 @@
               <a:rPr lang="en-US" sz="2600" dirty="0"/>
               <a:t>.</a:t>
             </a:r>
+          </a:p>
+        </p:txBody>
+      </p:sp>
+      <p:sp>
+        <p:nvSpPr>
+          <p:cNvPr id="3" name="Slide Number Placeholder 2"/>
+          <p:cNvSpPr>
+            <a:spLocks noGrp="1"/>
+          </p:cNvSpPr>
+          <p:nvPr>
+            <p:ph type="sldNum" sz="quarter" idx="12"/>
+          </p:nvPr>
+        </p:nvSpPr>
+        <p:spPr/>
+        <p:txBody>
+          <a:bodyPr/>
+          <a:lstStyle/>
+          <a:p>
+            <a:fld id="{A50F7ED9-03F7-4ED4-AD65-23021126013D}" type="slidenum">
+              <a:rPr lang="en-US" smtClean="0"/>
+              <a:t>18</a:t>
+            </a:fld>
+            <a:endParaRPr lang="en-US"/>
           </a:p>
         </p:txBody>
       </p:sp>
@@ -6173,6 +7837,29 @@
           </a:p>
         </p:txBody>
       </p:sp>
+      <p:sp>
+        <p:nvSpPr>
+          <p:cNvPr id="4" name="Slide Number Placeholder 3"/>
+          <p:cNvSpPr>
+            <a:spLocks noGrp="1"/>
+          </p:cNvSpPr>
+          <p:nvPr>
+            <p:ph type="sldNum" sz="quarter" idx="12"/>
+          </p:nvPr>
+        </p:nvSpPr>
+        <p:spPr/>
+        <p:txBody>
+          <a:bodyPr/>
+          <a:lstStyle/>
+          <a:p>
+            <a:fld id="{A50F7ED9-03F7-4ED4-AD65-23021126013D}" type="slidenum">
+              <a:rPr lang="en-US" smtClean="0"/>
+              <a:t>19</a:t>
+            </a:fld>
+            <a:endParaRPr lang="en-US"/>
+          </a:p>
+        </p:txBody>
+      </p:sp>
     </p:spTree>
     <p:extLst>
       <p:ext uri="{BB962C8B-B14F-4D97-AF65-F5344CB8AC3E}">
@@ -6236,7 +7923,12 @@
             <p:ph sz="quarter" idx="13"/>
           </p:nvPr>
         </p:nvSpPr>
-        <p:spPr/>
+        <p:spPr>
+          <a:xfrm>
+            <a:off x="794329" y="1868054"/>
+            <a:ext cx="10871200" cy="4368800"/>
+          </a:xfrm>
+        </p:spPr>
         <p:txBody>
           <a:bodyPr>
             <a:normAutofit/>
@@ -6255,8 +7947,16 @@
             <a:pPr lvl="1"/>
             <a:r>
               <a:rPr lang="en-US" dirty="0" smtClean="0"/>
-              <a:t>Complex workload complete significantly faster in spark compared to Hadoop Map/Reduce</a:t>
-            </a:r>
+              <a:t>Complex workload complete significantly faster in spark compared to Hadoop </a:t>
+            </a:r>
+            <a:r>
+              <a:rPr lang="en-US" dirty="0" smtClean="0"/>
+              <a:t>Map/Reduce</a:t>
+            </a:r>
+          </a:p>
+          <a:p>
+            <a:pPr lvl="1"/>
+            <a:endParaRPr lang="en-US" dirty="0" smtClean="0"/>
           </a:p>
           <a:p>
             <a:pPr marL="0" indent="0">
@@ -6306,6 +8006,35 @@
               <a:rPr lang="en-US" dirty="0" smtClean="0"/>
               <a:t>Build multiple models without waiting for the system</a:t>
             </a:r>
+          </a:p>
+        </p:txBody>
+      </p:sp>
+      <p:sp>
+        <p:nvSpPr>
+          <p:cNvPr id="3" name="Slide Number Placeholder 2"/>
+          <p:cNvSpPr>
+            <a:spLocks noGrp="1"/>
+          </p:cNvSpPr>
+          <p:nvPr>
+            <p:ph type="sldNum" sz="quarter" idx="12"/>
+          </p:nvPr>
+        </p:nvSpPr>
+        <p:spPr/>
+        <p:txBody>
+          <a:bodyPr/>
+          <a:lstStyle/>
+          <a:p>
+            <a:pPr algn="ctr"/>
+            <a:fld id="{8F82E0A0-C266-4798-8C8F-B9F91E9DA37E}" type="slidenum">
+              <a:rPr lang="en-US" sz="1867" b="1" smtClean="0">
+                <a:solidFill>
+                  <a:srgbClr val="FFFFFF"/>
+                </a:solidFill>
+              </a:rPr>
+              <a:pPr algn="ctr"/>
+              <a:t>2</a:t>
+            </a:fld>
+            <a:endParaRPr lang="en-US"/>
           </a:p>
         </p:txBody>
       </p:sp>
@@ -6396,19 +8125,19 @@
             </a:r>
             <a:r>
               <a:rPr lang="en-US" dirty="0" smtClean="0">
-                <a:hlinkClick r:id="rId2"/>
+                <a:hlinkClick r:id="rId3"/>
               </a:rPr>
               <a:t>https</a:t>
             </a:r>
             <a:r>
               <a:rPr lang="en-US" dirty="0">
-                <a:hlinkClick r:id="rId2"/>
+                <a:hlinkClick r:id="rId3"/>
               </a:rPr>
               <a:t>://databricks.com</a:t>
             </a:r>
             <a:r>
               <a:rPr lang="en-US" dirty="0" smtClean="0">
-                <a:hlinkClick r:id="rId2"/>
+                <a:hlinkClick r:id="rId3"/>
               </a:rPr>
               <a:t>/</a:t>
             </a:r>
@@ -6563,6 +8292,29 @@
               <a:t>for markdown</a:t>
             </a:r>
             <a:endParaRPr lang="en-US" dirty="0"/>
+          </a:p>
+        </p:txBody>
+      </p:sp>
+      <p:sp>
+        <p:nvSpPr>
+          <p:cNvPr id="2" name="Slide Number Placeholder 1"/>
+          <p:cNvSpPr>
+            <a:spLocks noGrp="1"/>
+          </p:cNvSpPr>
+          <p:nvPr>
+            <p:ph type="sldNum" sz="quarter" idx="12"/>
+          </p:nvPr>
+        </p:nvSpPr>
+        <p:spPr/>
+        <p:txBody>
+          <a:bodyPr/>
+          <a:lstStyle/>
+          <a:p>
+            <a:fld id="{A50F7ED9-03F7-4ED4-AD65-23021126013D}" type="slidenum">
+              <a:rPr lang="en-US" smtClean="0"/>
+              <a:t>20</a:t>
+            </a:fld>
+            <a:endParaRPr lang="en-US"/>
           </a:p>
         </p:txBody>
       </p:sp>
@@ -6633,7 +8385,7 @@
           </p:nvPr>
         </p:nvPicPr>
         <p:blipFill>
-          <a:blip r:embed="rId2">
+          <a:blip r:embed="rId3">
             <a:extLst>
               <a:ext uri="{28A0092B-C50C-407E-A947-70E740481C1C}">
                 <a14:useLocalDpi xmlns:a14="http://schemas.microsoft.com/office/drawing/2010/main" val="0"/>
@@ -6753,7 +8505,7 @@
           <p:nvPr/>
         </p:nvPicPr>
         <p:blipFill>
-          <a:blip r:embed="rId3"/>
+          <a:blip r:embed="rId4"/>
           <a:stretch>
             <a:fillRect/>
           </a:stretch>
@@ -6804,6 +8556,29 @@
           </a:fontRef>
         </p:style>
       </p:cxnSp>
+      <p:sp>
+        <p:nvSpPr>
+          <p:cNvPr id="3" name="Slide Number Placeholder 2"/>
+          <p:cNvSpPr>
+            <a:spLocks noGrp="1"/>
+          </p:cNvSpPr>
+          <p:nvPr>
+            <p:ph type="sldNum" sz="quarter" idx="12"/>
+          </p:nvPr>
+        </p:nvSpPr>
+        <p:spPr/>
+        <p:txBody>
+          <a:bodyPr/>
+          <a:lstStyle/>
+          <a:p>
+            <a:fld id="{A50F7ED9-03F7-4ED4-AD65-23021126013D}" type="slidenum">
+              <a:rPr lang="en-US" smtClean="0"/>
+              <a:t>21</a:t>
+            </a:fld>
+            <a:endParaRPr lang="en-US"/>
+          </a:p>
+        </p:txBody>
+      </p:sp>
     </p:spTree>
     <p:extLst>
       <p:ext uri="{BB962C8B-B14F-4D97-AF65-F5344CB8AC3E}">
@@ -6845,7 +8620,7 @@
           </p:nvPr>
         </p:nvPicPr>
         <p:blipFill>
-          <a:blip r:embed="rId2"/>
+          <a:blip r:embed="rId3"/>
           <a:stretch>
             <a:fillRect/>
           </a:stretch>
@@ -6860,6 +8635,29 @@
           </a:prstGeom>
         </p:spPr>
       </p:pic>
+      <p:sp>
+        <p:nvSpPr>
+          <p:cNvPr id="2" name="Slide Number Placeholder 1"/>
+          <p:cNvSpPr>
+            <a:spLocks noGrp="1"/>
+          </p:cNvSpPr>
+          <p:nvPr>
+            <p:ph type="sldNum" sz="quarter" idx="12"/>
+          </p:nvPr>
+        </p:nvSpPr>
+        <p:spPr/>
+        <p:txBody>
+          <a:bodyPr/>
+          <a:lstStyle/>
+          <a:p>
+            <a:fld id="{A50F7ED9-03F7-4ED4-AD65-23021126013D}" type="slidenum">
+              <a:rPr lang="en-US" smtClean="0"/>
+              <a:t>22</a:t>
+            </a:fld>
+            <a:endParaRPr lang="en-US"/>
+          </a:p>
+        </p:txBody>
+      </p:sp>
     </p:spTree>
     <p:extLst>
       <p:ext uri="{BB962C8B-B14F-4D97-AF65-F5344CB8AC3E}">
@@ -6924,7 +8722,7 @@
           </p:nvPr>
         </p:nvPicPr>
         <p:blipFill>
-          <a:blip r:embed="rId2"/>
+          <a:blip r:embed="rId3"/>
           <a:stretch>
             <a:fillRect/>
           </a:stretch>
@@ -7010,7 +8808,29 @@
               <a:rPr lang="en-US" dirty="0"/>
               <a:t>Apache Spark can also keep results in memory as opposed to other frameworks that immediately write to disk after each task.</a:t>
             </a:r>
-            <a:endParaRPr lang="en-US" dirty="0"/>
+          </a:p>
+        </p:txBody>
+      </p:sp>
+      <p:sp>
+        <p:nvSpPr>
+          <p:cNvPr id="3" name="Slide Number Placeholder 2"/>
+          <p:cNvSpPr>
+            <a:spLocks noGrp="1"/>
+          </p:cNvSpPr>
+          <p:nvPr>
+            <p:ph type="sldNum" sz="quarter" idx="12"/>
+          </p:nvPr>
+        </p:nvSpPr>
+        <p:spPr/>
+        <p:txBody>
+          <a:bodyPr/>
+          <a:lstStyle/>
+          <a:p>
+            <a:fld id="{A50F7ED9-03F7-4ED4-AD65-23021126013D}" type="slidenum">
+              <a:rPr lang="en-US" smtClean="0"/>
+              <a:t>23</a:t>
+            </a:fld>
+            <a:endParaRPr lang="en-US"/>
           </a:p>
         </p:txBody>
       </p:sp>
@@ -7066,6 +8886,29 @@
               <a:t>Spark for Data Scientist</a:t>
             </a:r>
             <a:endParaRPr lang="en-US" dirty="0"/>
+          </a:p>
+        </p:txBody>
+      </p:sp>
+      <p:sp>
+        <p:nvSpPr>
+          <p:cNvPr id="2" name="Slide Number Placeholder 1"/>
+          <p:cNvSpPr>
+            <a:spLocks noGrp="1"/>
+          </p:cNvSpPr>
+          <p:nvPr>
+            <p:ph type="sldNum" sz="quarter" idx="12"/>
+          </p:nvPr>
+        </p:nvSpPr>
+        <p:spPr/>
+        <p:txBody>
+          <a:bodyPr/>
+          <a:lstStyle/>
+          <a:p>
+            <a:fld id="{A50F7ED9-03F7-4ED4-AD65-23021126013D}" type="slidenum">
+              <a:rPr lang="en-US" smtClean="0"/>
+              <a:t>24</a:t>
+            </a:fld>
+            <a:endParaRPr lang="en-US"/>
           </a:p>
         </p:txBody>
       </p:sp>
@@ -7163,6 +9006,35 @@
           </a:p>
         </p:txBody>
       </p:sp>
+      <p:sp>
+        <p:nvSpPr>
+          <p:cNvPr id="2" name="Slide Number Placeholder 1"/>
+          <p:cNvSpPr>
+            <a:spLocks noGrp="1"/>
+          </p:cNvSpPr>
+          <p:nvPr>
+            <p:ph type="sldNum" sz="quarter" idx="12"/>
+          </p:nvPr>
+        </p:nvSpPr>
+        <p:spPr/>
+        <p:txBody>
+          <a:bodyPr/>
+          <a:lstStyle/>
+          <a:p>
+            <a:pPr algn="ctr"/>
+            <a:fld id="{8F82E0A0-C266-4798-8C8F-B9F91E9DA37E}" type="slidenum">
+              <a:rPr lang="en-US" sz="1867" b="1" smtClean="0">
+                <a:solidFill>
+                  <a:srgbClr val="FFFFFF"/>
+                </a:solidFill>
+              </a:rPr>
+              <a:pPr algn="ctr"/>
+              <a:t>25</a:t>
+            </a:fld>
+            <a:endParaRPr lang="en-US"/>
+          </a:p>
+        </p:txBody>
+      </p:sp>
     </p:spTree>
     <p:extLst>
       <p:ext uri="{BB962C8B-B14F-4D97-AF65-F5344CB8AC3E}">
@@ -7219,11 +9091,11 @@
           <a:p>
             <a:r>
               <a:rPr lang="en-US" dirty="0" smtClean="0"/>
-              <a:t>Python </a:t>
-            </a:r>
-            <a:r>
-              <a:rPr lang="en-US" dirty="0" smtClean="0"/>
-              <a:t>Regression Example</a:t>
+              <a:t>Regression - </a:t>
+            </a:r>
+            <a:r>
+              <a:rPr lang="en-US" dirty="0" err="1" smtClean="0"/>
+              <a:t>MLlib</a:t>
             </a:r>
             <a:endParaRPr lang="en-US" dirty="0"/>
           </a:p>
@@ -7251,6 +9123,25 @@
           </a:bodyPr>
           <a:lstStyle/>
           <a:p>
+            <a:r>
+              <a:rPr lang="en-US" dirty="0"/>
+              <a:t>8-SparkML (Python</a:t>
+            </a:r>
+            <a:r>
+              <a:rPr lang="en-US" dirty="0" smtClean="0"/>
+              <a:t>)</a:t>
+            </a:r>
+          </a:p>
+          <a:p>
+            <a:pPr lvl="1"/>
+            <a:r>
+              <a:rPr lang="en-US" dirty="0" smtClean="0"/>
+              <a:t>https</a:t>
+            </a:r>
+            <a:r>
+              <a:rPr lang="en-US" dirty="0"/>
+              <a:t>://www.lynda.com/Hadoop-tutorials/Spark-ML-Building-model/516574/593206-4.html?srchtrk=index%3a1%0alinktypeid%3a2%0aq%3aExtending+Hadoop+for+Data+Science.%0apage%3a1%0as%3arelevance%0asa%3atrue%0aproducttypeid%3a2</a:t>
+            </a:r>
             <a:endParaRPr lang="en-US" dirty="0" smtClean="0"/>
           </a:p>
           <a:p>
@@ -7258,6 +9149,35 @@
           </a:p>
           <a:p>
             <a:endParaRPr lang="en-US" dirty="0"/>
+          </a:p>
+        </p:txBody>
+      </p:sp>
+      <p:sp>
+        <p:nvSpPr>
+          <p:cNvPr id="2" name="Slide Number Placeholder 1"/>
+          <p:cNvSpPr>
+            <a:spLocks noGrp="1"/>
+          </p:cNvSpPr>
+          <p:nvPr>
+            <p:ph type="sldNum" sz="quarter" idx="12"/>
+          </p:nvPr>
+        </p:nvSpPr>
+        <p:spPr/>
+        <p:txBody>
+          <a:bodyPr/>
+          <a:lstStyle/>
+          <a:p>
+            <a:pPr algn="ctr"/>
+            <a:fld id="{8F82E0A0-C266-4798-8C8F-B9F91E9DA37E}" type="slidenum">
+              <a:rPr lang="en-US" sz="1867" b="1" smtClean="0">
+                <a:solidFill>
+                  <a:srgbClr val="FFFFFF"/>
+                </a:solidFill>
+              </a:rPr>
+              <a:pPr algn="ctr"/>
+              <a:t>26</a:t>
+            </a:fld>
+            <a:endParaRPr lang="en-US"/>
           </a:p>
         </p:txBody>
       </p:sp>
@@ -7300,7 +9220,7 @@
       </p:grpSpPr>
       <p:sp>
         <p:nvSpPr>
-          <p:cNvPr id="7" name="Title 6"/>
+          <p:cNvPr id="2" name="Title 1"/>
           <p:cNvSpPr>
             <a:spLocks noGrp="1"/>
           </p:cNvSpPr>
@@ -7310,14 +9230,12 @@
         </p:nvSpPr>
         <p:spPr/>
         <p:txBody>
-          <a:bodyPr>
-            <a:normAutofit/>
-          </a:bodyPr>
+          <a:bodyPr/>
           <a:lstStyle/>
           <a:p>
             <a:r>
               <a:rPr lang="en-US" dirty="0" smtClean="0"/>
-              <a:t>Python Example</a:t>
+              <a:t>Advanced Machine Learning</a:t>
             </a:r>
             <a:endParaRPr lang="en-US" dirty="0"/>
           </a:p>
@@ -7325,7 +9243,7 @@
       </p:sp>
       <p:sp>
         <p:nvSpPr>
-          <p:cNvPr id="8" name="Content Placeholder 7"/>
+          <p:cNvPr id="3" name="Content Placeholder 2"/>
           <p:cNvSpPr>
             <a:spLocks noGrp="1"/>
           </p:cNvSpPr>
@@ -7333,45 +9251,83 @@
             <p:ph sz="quarter" idx="13"/>
           </p:nvPr>
         </p:nvSpPr>
-        <p:spPr>
-          <a:xfrm>
-            <a:off x="812800" y="1803400"/>
-            <a:ext cx="10566400" cy="4368800"/>
-          </a:xfrm>
-        </p:spPr>
-        <p:txBody>
-          <a:bodyPr>
-            <a:normAutofit/>
-          </a:bodyPr>
-          <a:lstStyle/>
-          <a:p>
+        <p:spPr/>
+        <p:txBody>
+          <a:bodyPr/>
+          <a:lstStyle/>
+          <a:p>
+            <a:r>
+              <a:rPr lang="en-US" dirty="0"/>
+              <a:t>9-Use-MxNET (Python</a:t>
+            </a:r>
+            <a:r>
+              <a:rPr lang="en-US" dirty="0" smtClean="0"/>
+              <a:t>)</a:t>
+            </a:r>
+          </a:p>
+          <a:p>
+            <a:r>
+              <a:rPr lang="en-US" dirty="0"/>
+              <a:t>10a-TF-setup-community (Python</a:t>
+            </a:r>
+            <a:r>
+              <a:rPr lang="en-US" dirty="0" smtClean="0"/>
+              <a:t>) / </a:t>
+            </a:r>
+            <a:r>
+              <a:rPr lang="en-US" dirty="0"/>
+              <a:t>10b-TF-setup-pro (Python)</a:t>
+            </a:r>
             <a:endParaRPr lang="en-US" dirty="0" smtClean="0"/>
           </a:p>
           <a:p>
+            <a:r>
+              <a:rPr lang="en-US" dirty="0"/>
+              <a:t>11-Use-TF (Python)</a:t>
+            </a:r>
             <a:endParaRPr lang="en-US" dirty="0"/>
           </a:p>
-          <a:p>
-            <a:endParaRPr lang="en-US" dirty="0"/>
+        </p:txBody>
+      </p:sp>
+      <p:sp>
+        <p:nvSpPr>
+          <p:cNvPr id="4" name="Slide Number Placeholder 3"/>
+          <p:cNvSpPr>
+            <a:spLocks noGrp="1"/>
+          </p:cNvSpPr>
+          <p:nvPr>
+            <p:ph type="sldNum" sz="quarter" idx="12"/>
+          </p:nvPr>
+        </p:nvSpPr>
+        <p:spPr/>
+        <p:txBody>
+          <a:bodyPr/>
+          <a:lstStyle/>
+          <a:p>
+            <a:pPr algn="ctr"/>
+            <a:fld id="{8F82E0A0-C266-4798-8C8F-B9F91E9DA37E}" type="slidenum">
+              <a:rPr lang="en-US" sz="1867" b="1" smtClean="0">
+                <a:solidFill>
+                  <a:srgbClr val="FFFFFF"/>
+                </a:solidFill>
+              </a:rPr>
+              <a:pPr algn="ctr"/>
+              <a:t>27</a:t>
+            </a:fld>
+            <a:endParaRPr lang="en-US"/>
           </a:p>
         </p:txBody>
       </p:sp>
     </p:spTree>
     <p:extLst>
       <p:ext uri="{BB962C8B-B14F-4D97-AF65-F5344CB8AC3E}">
-        <p14:creationId xmlns:p14="http://schemas.microsoft.com/office/powerpoint/2010/main" val="3537437996"/>
+        <p14:creationId xmlns:p14="http://schemas.microsoft.com/office/powerpoint/2010/main" val="133320156"/>
       </p:ext>
     </p:extLst>
   </p:cSld>
   <p:clrMapOvr>
     <a:masterClrMapping/>
   </p:clrMapOvr>
-  <p:timing>
-    <p:tnLst>
-      <p:par>
-        <p:cTn id="1" dur="indefinite" restart="never" nodeType="tmRoot"/>
-      </p:par>
-    </p:tnLst>
-  </p:timing>
 </p:sld>
 </file>
 
@@ -7408,8 +9364,8 @@
           <a:lstStyle/>
           <a:p>
             <a:r>
-              <a:rPr lang="en-US" dirty="0" err="1" smtClean="0"/>
-              <a:t>MLlib</a:t>
+              <a:rPr lang="en-US" dirty="0" smtClean="0"/>
+              <a:t>Streaming</a:t>
             </a:r>
             <a:endParaRPr lang="en-US" dirty="0"/>
           </a:p>
@@ -7430,6 +9386,50 @@
           <a:bodyPr/>
           <a:lstStyle/>
           <a:p>
+            <a:r>
+              <a:rPr lang="en-US" dirty="0"/>
+              <a:t>12-Streaming (Python</a:t>
+            </a:r>
+            <a:r>
+              <a:rPr lang="en-US" dirty="0" smtClean="0"/>
+              <a:t>)</a:t>
+            </a:r>
+          </a:p>
+          <a:p>
+            <a:pPr lvl="1"/>
+            <a:r>
+              <a:rPr lang="en-US" dirty="0"/>
+              <a:t>https://www.lynda.com/Hadoop-tutorials/Spark-streaming/516574/593214-4.html?srchtrk=index%3a1%0alinktypeid%3a2%0aq%3aExtending+Hadoop+for+Data+Science.%0apage%3a1%0as%3arelevance%0asa%3atrue%0aproducttypeid%3a2</a:t>
+            </a:r>
+            <a:endParaRPr lang="en-US" dirty="0"/>
+          </a:p>
+        </p:txBody>
+      </p:sp>
+      <p:sp>
+        <p:nvSpPr>
+          <p:cNvPr id="4" name="Slide Number Placeholder 3"/>
+          <p:cNvSpPr>
+            <a:spLocks noGrp="1"/>
+          </p:cNvSpPr>
+          <p:nvPr>
+            <p:ph type="sldNum" sz="quarter" idx="12"/>
+          </p:nvPr>
+        </p:nvSpPr>
+        <p:spPr/>
+        <p:txBody>
+          <a:bodyPr/>
+          <a:lstStyle/>
+          <a:p>
+            <a:pPr algn="ctr"/>
+            <a:fld id="{8F82E0A0-C266-4798-8C8F-B9F91E9DA37E}" type="slidenum">
+              <a:rPr lang="en-US" sz="1867" b="1" smtClean="0">
+                <a:solidFill>
+                  <a:srgbClr val="FFFFFF"/>
+                </a:solidFill>
+              </a:rPr>
+              <a:pPr algn="ctr"/>
+              <a:t>28</a:t>
+            </a:fld>
             <a:endParaRPr lang="en-US"/>
           </a:p>
         </p:txBody>
@@ -7437,7 +9437,7 @@
     </p:spTree>
     <p:extLst>
       <p:ext uri="{BB962C8B-B14F-4D97-AF65-F5344CB8AC3E}">
-        <p14:creationId xmlns:p14="http://schemas.microsoft.com/office/powerpoint/2010/main" val="1147027904"/>
+        <p14:creationId xmlns:p14="http://schemas.microsoft.com/office/powerpoint/2010/main" val="771417072"/>
       </p:ext>
     </p:extLst>
   </p:cSld>
@@ -7481,7 +9481,7 @@
           <a:p>
             <a:r>
               <a:rPr lang="en-US" dirty="0" smtClean="0"/>
-              <a:t>Streaming</a:t>
+              <a:t>Dashboard</a:t>
             </a:r>
             <a:endParaRPr lang="en-US" dirty="0"/>
           </a:p>
@@ -7502,6 +9502,35 @@
           <a:bodyPr/>
           <a:lstStyle/>
           <a:p>
+            <a:endParaRPr lang="en-US"/>
+          </a:p>
+        </p:txBody>
+      </p:sp>
+      <p:sp>
+        <p:nvSpPr>
+          <p:cNvPr id="4" name="Slide Number Placeholder 3"/>
+          <p:cNvSpPr>
+            <a:spLocks noGrp="1"/>
+          </p:cNvSpPr>
+          <p:nvPr>
+            <p:ph type="sldNum" sz="quarter" idx="12"/>
+          </p:nvPr>
+        </p:nvSpPr>
+        <p:spPr/>
+        <p:txBody>
+          <a:bodyPr/>
+          <a:lstStyle/>
+          <a:p>
+            <a:pPr algn="ctr"/>
+            <a:fld id="{8F82E0A0-C266-4798-8C8F-B9F91E9DA37E}" type="slidenum">
+              <a:rPr lang="en-US" sz="1867" b="1" smtClean="0">
+                <a:solidFill>
+                  <a:srgbClr val="FFFFFF"/>
+                </a:solidFill>
+              </a:rPr>
+              <a:pPr algn="ctr"/>
+              <a:t>29</a:t>
+            </a:fld>
             <a:endParaRPr lang="en-US"/>
           </a:p>
         </p:txBody>
@@ -7509,7 +9538,7 @@
     </p:spTree>
     <p:extLst>
       <p:ext uri="{BB962C8B-B14F-4D97-AF65-F5344CB8AC3E}">
-        <p14:creationId xmlns:p14="http://schemas.microsoft.com/office/powerpoint/2010/main" val="771417072"/>
+        <p14:creationId xmlns:p14="http://schemas.microsoft.com/office/powerpoint/2010/main" val="1878725600"/>
       </p:ext>
     </p:extLst>
   </p:cSld>
@@ -7569,14 +9598,14 @@
           </a:ln>
           <a:extLst>
             <a:ext uri="{909E8E84-426E-40dd-AFC4-6F175D3DCCD1}">
-              <a14:hiddenFill xmlns="" xmlns:a14="http://schemas.microsoft.com/office/drawing/2010/main">
+              <a14:hiddenFill xmlns:a14="http://schemas.microsoft.com/office/drawing/2010/main" xmlns="">
                 <a:solidFill>
                   <a:srgbClr val="FFFFFF"/>
                 </a:solidFill>
               </a14:hiddenFill>
             </a:ext>
             <a:ext uri="{91240B29-F687-4f45-9708-019B960494DF}">
-              <a14:hiddenLine xmlns="" xmlns:a14="http://schemas.microsoft.com/office/drawing/2010/main" w="9525">
+              <a14:hiddenLine xmlns:a14="http://schemas.microsoft.com/office/drawing/2010/main" xmlns="" w="9525">
                 <a:solidFill>
                   <a:srgbClr val="000000"/>
                 </a:solidFill>
@@ -7661,6 +9690,35 @@
               <a:rPr lang="en-US" sz="2400" dirty="0"/>
               <a:t>Goal:  Generalize MapReduce to support new apps within the same engine</a:t>
             </a:r>
+          </a:p>
+        </p:txBody>
+      </p:sp>
+      <p:sp>
+        <p:nvSpPr>
+          <p:cNvPr id="2" name="Slide Number Placeholder 1"/>
+          <p:cNvSpPr>
+            <a:spLocks noGrp="1"/>
+          </p:cNvSpPr>
+          <p:nvPr>
+            <p:ph type="sldNum" sz="quarter" idx="12"/>
+          </p:nvPr>
+        </p:nvSpPr>
+        <p:spPr/>
+        <p:txBody>
+          <a:bodyPr/>
+          <a:lstStyle/>
+          <a:p>
+            <a:pPr algn="ctr"/>
+            <a:fld id="{8F82E0A0-C266-4798-8C8F-B9F91E9DA37E}" type="slidenum">
+              <a:rPr lang="en-US" sz="1867" b="1" smtClean="0">
+                <a:solidFill>
+                  <a:srgbClr val="FFFFFF"/>
+                </a:solidFill>
+              </a:rPr>
+              <a:pPr algn="ctr"/>
+              <a:t>3</a:t>
+            </a:fld>
+            <a:endParaRPr lang="en-US"/>
           </a:p>
         </p:txBody>
       </p:sp>
@@ -7718,7 +9776,7 @@
           <a:p>
             <a:r>
               <a:rPr lang="en-US" dirty="0" smtClean="0"/>
-              <a:t>Dashboard</a:t>
+              <a:t>Schedule Job</a:t>
             </a:r>
             <a:endParaRPr lang="en-US" dirty="0"/>
           </a:p>
@@ -7739,6 +9797,39 @@
           <a:bodyPr/>
           <a:lstStyle/>
           <a:p>
+            <a:r>
+              <a:rPr lang="en-US" dirty="0"/>
+              <a:t>https://spark.apache.org/docs/latest/job-scheduling.html</a:t>
+            </a:r>
+            <a:endParaRPr lang="en-US" dirty="0"/>
+          </a:p>
+        </p:txBody>
+      </p:sp>
+      <p:sp>
+        <p:nvSpPr>
+          <p:cNvPr id="4" name="Slide Number Placeholder 3"/>
+          <p:cNvSpPr>
+            <a:spLocks noGrp="1"/>
+          </p:cNvSpPr>
+          <p:nvPr>
+            <p:ph type="sldNum" sz="quarter" idx="12"/>
+          </p:nvPr>
+        </p:nvSpPr>
+        <p:spPr/>
+        <p:txBody>
+          <a:bodyPr/>
+          <a:lstStyle/>
+          <a:p>
+            <a:pPr algn="ctr"/>
+            <a:fld id="{8F82E0A0-C266-4798-8C8F-B9F91E9DA37E}" type="slidenum">
+              <a:rPr lang="en-US" sz="1867" b="1" smtClean="0">
+                <a:solidFill>
+                  <a:srgbClr val="FFFFFF"/>
+                </a:solidFill>
+              </a:rPr>
+              <a:pPr algn="ctr"/>
+              <a:t>30</a:t>
+            </a:fld>
             <a:endParaRPr lang="en-US"/>
           </a:p>
         </p:txBody>
@@ -7746,7 +9837,7 @@
     </p:spTree>
     <p:extLst>
       <p:ext uri="{BB962C8B-B14F-4D97-AF65-F5344CB8AC3E}">
-        <p14:creationId xmlns:p14="http://schemas.microsoft.com/office/powerpoint/2010/main" val="1878725600"/>
+        <p14:creationId xmlns:p14="http://schemas.microsoft.com/office/powerpoint/2010/main" val="867989807"/>
       </p:ext>
     </p:extLst>
   </p:cSld>
@@ -7790,7 +9881,7 @@
           <a:p>
             <a:r>
               <a:rPr lang="en-US" dirty="0" smtClean="0"/>
-              <a:t>Schedule Job</a:t>
+              <a:t>Conclusion</a:t>
             </a:r>
             <a:endParaRPr lang="en-US" dirty="0"/>
           </a:p>
@@ -7815,74 +9906,31 @@
           </a:p>
         </p:txBody>
       </p:sp>
-    </p:spTree>
-    <p:extLst>
-      <p:ext uri="{BB962C8B-B14F-4D97-AF65-F5344CB8AC3E}">
-        <p14:creationId xmlns:p14="http://schemas.microsoft.com/office/powerpoint/2010/main" val="867989807"/>
-      </p:ext>
-    </p:extLst>
-  </p:cSld>
-  <p:clrMapOvr>
-    <a:masterClrMapping/>
-  </p:clrMapOvr>
-</p:sld>
-</file>
-
-<file path=ppt/slides/slide32.xml><?xml version="1.0" encoding="utf-8"?>
-<p:sld xmlns:a="http://schemas.openxmlformats.org/drawingml/2006/main" xmlns:r="http://schemas.openxmlformats.org/officeDocument/2006/relationships" xmlns:p="http://schemas.openxmlformats.org/presentationml/2006/main">
-  <p:cSld>
-    <p:spTree>
-      <p:nvGrpSpPr>
-        <p:cNvPr id="1" name=""/>
-        <p:cNvGrpSpPr/>
-        <p:nvPr/>
-      </p:nvGrpSpPr>
-      <p:grpSpPr>
-        <a:xfrm>
-          <a:off x="0" y="0"/>
-          <a:ext cx="0" cy="0"/>
-          <a:chOff x="0" y="0"/>
-          <a:chExt cx="0" cy="0"/>
-        </a:xfrm>
-      </p:grpSpPr>
-      <p:sp>
-        <p:nvSpPr>
-          <p:cNvPr id="2" name="Title 1"/>
-          <p:cNvSpPr>
-            <a:spLocks noGrp="1"/>
-          </p:cNvSpPr>
-          <p:nvPr>
-            <p:ph type="title"/>
-          </p:nvPr>
-        </p:nvSpPr>
-        <p:spPr/>
-        <p:txBody>
-          <a:bodyPr/>
-          <a:lstStyle/>
-          <a:p>
-            <a:r>
-              <a:rPr lang="en-US" dirty="0" smtClean="0"/>
-              <a:t>Conclusion</a:t>
-            </a:r>
-            <a:endParaRPr lang="en-US" dirty="0"/>
-          </a:p>
-        </p:txBody>
-      </p:sp>
-      <p:sp>
-        <p:nvSpPr>
-          <p:cNvPr id="3" name="Content Placeholder 2"/>
-          <p:cNvSpPr>
-            <a:spLocks noGrp="1"/>
-          </p:cNvSpPr>
-          <p:nvPr>
-            <p:ph sz="quarter" idx="13"/>
-          </p:nvPr>
-        </p:nvSpPr>
-        <p:spPr/>
-        <p:txBody>
-          <a:bodyPr/>
-          <a:lstStyle/>
-          <a:p>
+      <p:sp>
+        <p:nvSpPr>
+          <p:cNvPr id="4" name="Slide Number Placeholder 3"/>
+          <p:cNvSpPr>
+            <a:spLocks noGrp="1"/>
+          </p:cNvSpPr>
+          <p:nvPr>
+            <p:ph type="sldNum" sz="quarter" idx="12"/>
+          </p:nvPr>
+        </p:nvSpPr>
+        <p:spPr/>
+        <p:txBody>
+          <a:bodyPr/>
+          <a:lstStyle/>
+          <a:p>
+            <a:pPr algn="ctr"/>
+            <a:fld id="{8F82E0A0-C266-4798-8C8F-B9F91E9DA37E}" type="slidenum">
+              <a:rPr lang="en-US" sz="1867" b="1" smtClean="0">
+                <a:solidFill>
+                  <a:srgbClr val="FFFFFF"/>
+                </a:solidFill>
+              </a:rPr>
+              <a:pPr algn="ctr"/>
+              <a:t>31</a:t>
+            </a:fld>
             <a:endParaRPr lang="en-US"/>
           </a:p>
         </p:txBody>
@@ -8036,6 +10084,35 @@
           </a:p>
         </p:txBody>
       </p:sp>
+      <p:sp>
+        <p:nvSpPr>
+          <p:cNvPr id="4" name="Slide Number Placeholder 3"/>
+          <p:cNvSpPr>
+            <a:spLocks noGrp="1"/>
+          </p:cNvSpPr>
+          <p:nvPr>
+            <p:ph type="sldNum" sz="quarter" idx="12"/>
+          </p:nvPr>
+        </p:nvSpPr>
+        <p:spPr/>
+        <p:txBody>
+          <a:bodyPr/>
+          <a:lstStyle/>
+          <a:p>
+            <a:pPr algn="ctr"/>
+            <a:fld id="{8F82E0A0-C266-4798-8C8F-B9F91E9DA37E}" type="slidenum">
+              <a:rPr lang="en-US" sz="1867" b="1" smtClean="0">
+                <a:solidFill>
+                  <a:srgbClr val="FFFFFF"/>
+                </a:solidFill>
+              </a:rPr>
+              <a:pPr algn="ctr"/>
+              <a:t>4</a:t>
+            </a:fld>
+            <a:endParaRPr lang="en-US"/>
+          </a:p>
+        </p:txBody>
+      </p:sp>
     </p:spTree>
     <p:extLst>
       <p:ext uri="{BB962C8B-B14F-4D97-AF65-F5344CB8AC3E}">
@@ -8099,84 +10176,120 @@
             <p:ph sz="quarter" idx="13"/>
           </p:nvPr>
         </p:nvSpPr>
-        <p:spPr/>
-        <p:txBody>
-          <a:bodyPr/>
-          <a:lstStyle/>
-          <a:p>
-            <a:r>
-              <a:rPr lang="en-US" sz="1867" dirty="0"/>
+        <p:spPr>
+          <a:xfrm>
+            <a:off x="812800" y="1646383"/>
+            <a:ext cx="10871200" cy="4368800"/>
+          </a:xfrm>
+        </p:spPr>
+        <p:txBody>
+          <a:bodyPr>
+            <a:noAutofit/>
+          </a:bodyPr>
+          <a:lstStyle/>
+          <a:p>
+            <a:r>
+              <a:rPr lang="en-US" sz="2400" dirty="0"/>
               <a:t>Complementary functionality</a:t>
             </a:r>
           </a:p>
           <a:p>
             <a:pPr lvl="1"/>
             <a:r>
-              <a:rPr lang="en-US" sz="1867" dirty="0"/>
+              <a:rPr lang="en-US" dirty="0"/>
               <a:t>Spark does not have a native data storage system</a:t>
             </a:r>
           </a:p>
           <a:p>
             <a:pPr lvl="1"/>
             <a:r>
-              <a:rPr lang="en-US" sz="1867" dirty="0"/>
+              <a:rPr lang="en-US" dirty="0"/>
               <a:t>Spark with Hadoop HDFS is a great combination, but Spark can also analyze data outside of HDFS</a:t>
             </a:r>
           </a:p>
           <a:p>
             <a:pPr lvl="1"/>
             <a:r>
-              <a:rPr lang="en-US" sz="1867" dirty="0"/>
+              <a:rPr lang="en-US" dirty="0"/>
               <a:t>Great synergy with Spark</a:t>
             </a:r>
           </a:p>
           <a:p>
             <a:r>
-              <a:rPr lang="en-US" sz="1867" dirty="0"/>
+              <a:rPr lang="en-US" sz="2400" dirty="0"/>
               <a:t>Alternative infrastructure options (YARN)</a:t>
             </a:r>
           </a:p>
           <a:p>
             <a:pPr lvl="1"/>
             <a:r>
-              <a:rPr lang="en-US" sz="1867" dirty="0"/>
+              <a:rPr lang="en-US" dirty="0"/>
               <a:t>Spark can use YARN to run on the same nodes in Hadoop as the data being analyzed in HDFS</a:t>
             </a:r>
           </a:p>
           <a:p>
             <a:pPr lvl="1"/>
             <a:r>
-              <a:rPr lang="en-US" sz="1867" dirty="0"/>
+              <a:rPr lang="en-US" dirty="0"/>
               <a:t>By using YARN for Spark, the administrator can control how much resource Spark users get versus other workloads running in Hadoop YARN</a:t>
             </a:r>
           </a:p>
           <a:p>
             <a:pPr lvl="1"/>
             <a:r>
-              <a:rPr lang="en-US" sz="1867" dirty="0"/>
+              <a:rPr lang="en-US" dirty="0"/>
               <a:t>Spark can optionally run on other infrastructures (</a:t>
             </a:r>
             <a:r>
-              <a:rPr lang="en-US" sz="1867" dirty="0" err="1"/>
+              <a:rPr lang="en-US" dirty="0" err="1"/>
               <a:t>Mesos</a:t>
             </a:r>
             <a:r>
-              <a:rPr lang="en-US" sz="1867" dirty="0"/>
+              <a:rPr lang="en-US" dirty="0"/>
               <a:t>, etc.)</a:t>
             </a:r>
           </a:p>
           <a:p>
             <a:r>
-              <a:rPr lang="en-US" sz="1867" dirty="0"/>
+              <a:rPr lang="en-US" sz="2400" dirty="0"/>
               <a:t>Competing functionality</a:t>
             </a:r>
           </a:p>
           <a:p>
             <a:pPr lvl="1"/>
             <a:r>
-              <a:rPr lang="en-US" sz="1867" dirty="0"/>
+              <a:rPr lang="en-US" dirty="0"/>
               <a:t>Spark competes against Hadoop Map/Reduce</a:t>
             </a:r>
+          </a:p>
+        </p:txBody>
+      </p:sp>
+      <p:sp>
+        <p:nvSpPr>
+          <p:cNvPr id="4" name="Slide Number Placeholder 3"/>
+          <p:cNvSpPr>
+            <a:spLocks noGrp="1"/>
+          </p:cNvSpPr>
+          <p:nvPr>
+            <p:ph type="sldNum" sz="quarter" idx="12"/>
+          </p:nvPr>
+        </p:nvSpPr>
+        <p:spPr/>
+        <p:txBody>
+          <a:bodyPr/>
+          <a:lstStyle/>
+          <a:p>
+            <a:pPr algn="ctr"/>
+            <a:fld id="{8F82E0A0-C266-4798-8C8F-B9F91E9DA37E}" type="slidenum">
+              <a:rPr lang="en-US" sz="1867" b="1" smtClean="0">
+                <a:solidFill>
+                  <a:srgbClr val="FFFFFF"/>
+                </a:solidFill>
+              </a:rPr>
+              <a:pPr algn="ctr"/>
+              <a:t>5</a:t>
+            </a:fld>
+            <a:endParaRPr lang="en-US"/>
           </a:p>
         </p:txBody>
       </p:sp>
@@ -8243,7 +10356,12 @@
             <p:ph sz="quarter" idx="13"/>
           </p:nvPr>
         </p:nvSpPr>
-        <p:spPr/>
+        <p:spPr>
+          <a:xfrm>
+            <a:off x="812800" y="1803400"/>
+            <a:ext cx="6012873" cy="4368800"/>
+          </a:xfrm>
+        </p:spPr>
         <p:txBody>
           <a:bodyPr>
             <a:normAutofit/>
@@ -8301,6 +10419,73 @@
           </a:p>
         </p:txBody>
       </p:sp>
+      <p:sp>
+        <p:nvSpPr>
+          <p:cNvPr id="4" name="Slide Number Placeholder 3"/>
+          <p:cNvSpPr>
+            <a:spLocks noGrp="1"/>
+          </p:cNvSpPr>
+          <p:nvPr>
+            <p:ph type="sldNum" sz="quarter" idx="12"/>
+          </p:nvPr>
+        </p:nvSpPr>
+        <p:spPr/>
+        <p:txBody>
+          <a:bodyPr/>
+          <a:lstStyle/>
+          <a:p>
+            <a:pPr algn="ctr"/>
+            <a:fld id="{8F82E0A0-C266-4798-8C8F-B9F91E9DA37E}" type="slidenum">
+              <a:rPr lang="en-US" sz="1867" b="1" smtClean="0">
+                <a:solidFill>
+                  <a:srgbClr val="FFFFFF"/>
+                </a:solidFill>
+              </a:rPr>
+              <a:pPr algn="ctr"/>
+              <a:t>6</a:t>
+            </a:fld>
+            <a:endParaRPr lang="en-US"/>
+          </a:p>
+        </p:txBody>
+      </p:sp>
+      <p:pic>
+        <p:nvPicPr>
+          <p:cNvPr id="5" name="Picture 4"/>
+          <p:cNvPicPr>
+            <a:picLocks noChangeAspect="1"/>
+          </p:cNvPicPr>
+          <p:nvPr/>
+        </p:nvPicPr>
+        <p:blipFill>
+          <a:blip r:embed="rId3">
+            <a:clrChange>
+              <a:clrFrom>
+                <a:srgbClr val="FFFFFF"/>
+              </a:clrFrom>
+              <a:clrTo>
+                <a:srgbClr val="FFFFFF">
+                  <a:alpha val="0"/>
+                </a:srgbClr>
+              </a:clrTo>
+            </a:clrChange>
+          </a:blip>
+          <a:stretch>
+            <a:fillRect/>
+          </a:stretch>
+        </p:blipFill>
+        <p:spPr>
+          <a:xfrm>
+            <a:off x="7167417" y="2140685"/>
+            <a:ext cx="4653909" cy="3137598"/>
+          </a:xfrm>
+          <a:prstGeom prst="rect">
+            <a:avLst/>
+          </a:prstGeom>
+          <a:ln>
+            <a:noFill/>
+          </a:ln>
+        </p:spPr>
+      </p:pic>
     </p:spTree>
     <p:extLst>
       <p:ext uri="{BB962C8B-B14F-4D97-AF65-F5344CB8AC3E}">
@@ -8442,6 +10627,35 @@
           </a:p>
         </p:txBody>
       </p:sp>
+      <p:sp>
+        <p:nvSpPr>
+          <p:cNvPr id="3" name="Slide Number Placeholder 2"/>
+          <p:cNvSpPr>
+            <a:spLocks noGrp="1"/>
+          </p:cNvSpPr>
+          <p:nvPr>
+            <p:ph type="sldNum" sz="quarter" idx="12"/>
+          </p:nvPr>
+        </p:nvSpPr>
+        <p:spPr/>
+        <p:txBody>
+          <a:bodyPr/>
+          <a:lstStyle/>
+          <a:p>
+            <a:pPr algn="ctr"/>
+            <a:fld id="{8F82E0A0-C266-4798-8C8F-B9F91E9DA37E}" type="slidenum">
+              <a:rPr lang="en-US" sz="1867" b="1" smtClean="0">
+                <a:solidFill>
+                  <a:srgbClr val="FFFFFF"/>
+                </a:solidFill>
+              </a:rPr>
+              <a:pPr algn="ctr"/>
+              <a:t>7</a:t>
+            </a:fld>
+            <a:endParaRPr lang="en-US"/>
+          </a:p>
+        </p:txBody>
+      </p:sp>
     </p:spTree>
     <p:extLst>
       <p:ext uri="{BB962C8B-B14F-4D97-AF65-F5344CB8AC3E}">
@@ -8494,6 +10708,29 @@
               <a:t>Spark Components</a:t>
             </a:r>
             <a:endParaRPr lang="en-US" dirty="0"/>
+          </a:p>
+        </p:txBody>
+      </p:sp>
+      <p:sp>
+        <p:nvSpPr>
+          <p:cNvPr id="2" name="Slide Number Placeholder 1"/>
+          <p:cNvSpPr>
+            <a:spLocks noGrp="1"/>
+          </p:cNvSpPr>
+          <p:nvPr>
+            <p:ph type="sldNum" sz="quarter" idx="12"/>
+          </p:nvPr>
+        </p:nvSpPr>
+        <p:spPr/>
+        <p:txBody>
+          <a:bodyPr/>
+          <a:lstStyle/>
+          <a:p>
+            <a:fld id="{A50F7ED9-03F7-4ED4-AD65-23021126013D}" type="slidenum">
+              <a:rPr lang="en-US" smtClean="0"/>
+              <a:t>8</a:t>
+            </a:fld>
+            <a:endParaRPr lang="en-US"/>
           </a:p>
         </p:txBody>
       </p:sp>
@@ -8588,54 +10825,87 @@
       </p:sp>
       <p:pic>
         <p:nvPicPr>
-          <p:cNvPr id="6" name="Picture 5"/>
+          <p:cNvPr id="2052" name="Picture 4" descr="Image result for apache spark"/>
           <p:cNvPicPr>
-            <a:picLocks noChangeAspect="1"/>
+            <a:picLocks noChangeAspect="1" noChangeArrowheads="1"/>
           </p:cNvPicPr>
           <p:nvPr/>
         </p:nvPicPr>
         <p:blipFill>
-          <a:blip r:embed="rId2"/>
+          <a:blip r:embed="rId2">
+            <a:clrChange>
+              <a:clrFrom>
+                <a:srgbClr val="FFFFFF"/>
+              </a:clrFrom>
+              <a:clrTo>
+                <a:srgbClr val="FFFFFF">
+                  <a:alpha val="0"/>
+                </a:srgbClr>
+              </a:clrTo>
+            </a:clrChange>
+            <a:extLst>
+              <a:ext uri="{28A0092B-C50C-407E-A947-70E740481C1C}">
+                <a14:useLocalDpi xmlns:a14="http://schemas.microsoft.com/office/drawing/2010/main" val="0"/>
+              </a:ext>
+            </a:extLst>
+          </a:blip>
+          <a:srcRect/>
           <a:stretch>
             <a:fillRect/>
           </a:stretch>
         </p:blipFill>
-        <p:spPr>
+        <p:spPr bwMode="auto">
           <a:xfrm>
-            <a:off x="5080000" y="4546600"/>
-            <a:ext cx="6281877" cy="2133600"/>
+            <a:off x="6373091" y="4367645"/>
+            <a:ext cx="4980709" cy="2490355"/>
           </a:xfrm>
           <a:prstGeom prst="rect">
             <a:avLst/>
           </a:prstGeom>
+          <a:noFill/>
+          <a:extLst>
+            <a:ext uri="{909E8E84-426E-40DD-AFC4-6F175D3DCCD1}">
+              <a14:hiddenFill xmlns:a14="http://schemas.microsoft.com/office/drawing/2010/main">
+                <a:solidFill>
+                  <a:srgbClr val="FFFFFF"/>
+                </a:solidFill>
+              </a14:hiddenFill>
+            </a:ext>
+          </a:extLst>
         </p:spPr>
       </p:pic>
       <p:sp>
         <p:nvSpPr>
-          <p:cNvPr id="7" name="Frame 6"/>
+          <p:cNvPr id="8" name="Rectangle 7"/>
           <p:cNvSpPr/>
           <p:nvPr/>
         </p:nvSpPr>
         <p:spPr>
           <a:xfrm>
-            <a:off x="5181600" y="5562600"/>
-            <a:ext cx="6096000" cy="406400"/>
+            <a:off x="6446982" y="5828145"/>
+            <a:ext cx="4812145" cy="895928"/>
           </a:xfrm>
-          <a:prstGeom prst="frame">
+          <a:prstGeom prst="rect">
             <a:avLst/>
           </a:prstGeom>
+          <a:noFill/>
+          <a:ln w="76200">
+            <a:solidFill>
+              <a:schemeClr val="accent4"/>
+            </a:solidFill>
+          </a:ln>
         </p:spPr>
         <p:style>
           <a:lnRef idx="2">
-            <a:schemeClr val="accent2">
+            <a:schemeClr val="accent1">
               <a:shade val="50000"/>
             </a:schemeClr>
           </a:lnRef>
           <a:fillRef idx="1">
-            <a:schemeClr val="accent2"/>
+            <a:schemeClr val="accent1"/>
           </a:fillRef>
           <a:effectRef idx="0">
-            <a:schemeClr val="accent2"/>
+            <a:schemeClr val="accent1"/>
           </a:effectRef>
           <a:fontRef idx="minor">
             <a:schemeClr val="lt1"/>
@@ -8646,11 +10916,7 @@
           <a:lstStyle/>
           <a:p>
             <a:pPr algn="ctr"/>
-            <a:endParaRPr lang="en-US" sz="2400">
-              <a:solidFill>
-                <a:schemeClr val="tx1"/>
-              </a:solidFill>
-            </a:endParaRPr>
+            <a:endParaRPr lang="en-US"/>
           </a:p>
         </p:txBody>
       </p:sp>
